--- a/image-works/diagrams.pptx
+++ b/image-works/diagrams.pptx
@@ -7,6 +7,7 @@
   <p:sldIdLst>
     <p:sldId id="256" r:id="rId2"/>
     <p:sldId id="257" r:id="rId3"/>
+    <p:sldId id="258" r:id="rId4"/>
   </p:sldIdLst>
   <p:sldSz cx="12192000" cy="6858000"/>
   <p:notesSz cx="6858000" cy="9144000"/>
@@ -262,7 +263,7 @@
           <a:p>
             <a:fld id="{8D69976C-125B-AB49-9CB6-1841D07C855B}" type="datetimeFigureOut">
               <a:rPr lang="en-CH" smtClean="0"/>
-              <a:t>09.09.20</a:t>
+              <a:t>30.09.20</a:t>
             </a:fld>
             <a:endParaRPr lang="en-CH"/>
           </a:p>
@@ -462,7 +463,7 @@
           <a:p>
             <a:fld id="{8D69976C-125B-AB49-9CB6-1841D07C855B}" type="datetimeFigureOut">
               <a:rPr lang="en-CH" smtClean="0"/>
-              <a:t>09.09.20</a:t>
+              <a:t>30.09.20</a:t>
             </a:fld>
             <a:endParaRPr lang="en-CH"/>
           </a:p>
@@ -672,7 +673,7 @@
           <a:p>
             <a:fld id="{8D69976C-125B-AB49-9CB6-1841D07C855B}" type="datetimeFigureOut">
               <a:rPr lang="en-CH" smtClean="0"/>
-              <a:t>09.09.20</a:t>
+              <a:t>30.09.20</a:t>
             </a:fld>
             <a:endParaRPr lang="en-CH"/>
           </a:p>
@@ -872,7 +873,7 @@
           <a:p>
             <a:fld id="{8D69976C-125B-AB49-9CB6-1841D07C855B}" type="datetimeFigureOut">
               <a:rPr lang="en-CH" smtClean="0"/>
-              <a:t>09.09.20</a:t>
+              <a:t>30.09.20</a:t>
             </a:fld>
             <a:endParaRPr lang="en-CH"/>
           </a:p>
@@ -1148,7 +1149,7 @@
           <a:p>
             <a:fld id="{8D69976C-125B-AB49-9CB6-1841D07C855B}" type="datetimeFigureOut">
               <a:rPr lang="en-CH" smtClean="0"/>
-              <a:t>09.09.20</a:t>
+              <a:t>30.09.20</a:t>
             </a:fld>
             <a:endParaRPr lang="en-CH"/>
           </a:p>
@@ -1416,7 +1417,7 @@
           <a:p>
             <a:fld id="{8D69976C-125B-AB49-9CB6-1841D07C855B}" type="datetimeFigureOut">
               <a:rPr lang="en-CH" smtClean="0"/>
-              <a:t>09.09.20</a:t>
+              <a:t>30.09.20</a:t>
             </a:fld>
             <a:endParaRPr lang="en-CH"/>
           </a:p>
@@ -1831,7 +1832,7 @@
           <a:p>
             <a:fld id="{8D69976C-125B-AB49-9CB6-1841D07C855B}" type="datetimeFigureOut">
               <a:rPr lang="en-CH" smtClean="0"/>
-              <a:t>09.09.20</a:t>
+              <a:t>30.09.20</a:t>
             </a:fld>
             <a:endParaRPr lang="en-CH"/>
           </a:p>
@@ -1973,7 +1974,7 @@
           <a:p>
             <a:fld id="{8D69976C-125B-AB49-9CB6-1841D07C855B}" type="datetimeFigureOut">
               <a:rPr lang="en-CH" smtClean="0"/>
-              <a:t>09.09.20</a:t>
+              <a:t>30.09.20</a:t>
             </a:fld>
             <a:endParaRPr lang="en-CH"/>
           </a:p>
@@ -2086,7 +2087,7 @@
           <a:p>
             <a:fld id="{8D69976C-125B-AB49-9CB6-1841D07C855B}" type="datetimeFigureOut">
               <a:rPr lang="en-CH" smtClean="0"/>
-              <a:t>09.09.20</a:t>
+              <a:t>30.09.20</a:t>
             </a:fld>
             <a:endParaRPr lang="en-CH"/>
           </a:p>
@@ -2399,7 +2400,7 @@
           <a:p>
             <a:fld id="{8D69976C-125B-AB49-9CB6-1841D07C855B}" type="datetimeFigureOut">
               <a:rPr lang="en-CH" smtClean="0"/>
-              <a:t>09.09.20</a:t>
+              <a:t>30.09.20</a:t>
             </a:fld>
             <a:endParaRPr lang="en-CH"/>
           </a:p>
@@ -2688,7 +2689,7 @@
           <a:p>
             <a:fld id="{8D69976C-125B-AB49-9CB6-1841D07C855B}" type="datetimeFigureOut">
               <a:rPr lang="en-CH" smtClean="0"/>
-              <a:t>09.09.20</a:t>
+              <a:t>30.09.20</a:t>
             </a:fld>
             <a:endParaRPr lang="en-CH"/>
           </a:p>
@@ -2931,7 +2932,7 @@
           <a:p>
             <a:fld id="{8D69976C-125B-AB49-9CB6-1841D07C855B}" type="datetimeFigureOut">
               <a:rPr lang="en-CH" smtClean="0"/>
-              <a:t>09.09.20</a:t>
+              <a:t>30.09.20</a:t>
             </a:fld>
             <a:endParaRPr lang="en-CH"/>
           </a:p>
@@ -5118,6 +5119,3363 @@
 </p:sld>
 </file>
 
+<file path=ppt/slides/slide3.xml><?xml version="1.0" encoding="utf-8"?>
+<p:sld xmlns:a="http://schemas.openxmlformats.org/drawingml/2006/main" xmlns:r="http://schemas.openxmlformats.org/officeDocument/2006/relationships" xmlns:p="http://schemas.openxmlformats.org/presentationml/2006/main">
+  <p:cSld>
+    <p:spTree>
+      <p:nvGrpSpPr>
+        <p:cNvPr id="1" name=""/>
+        <p:cNvGrpSpPr/>
+        <p:nvPr/>
+      </p:nvGrpSpPr>
+      <p:grpSpPr>
+        <a:xfrm>
+          <a:off x="0" y="0"/>
+          <a:ext cx="0" cy="0"/>
+          <a:chOff x="0" y="0"/>
+          <a:chExt cx="0" cy="0"/>
+        </a:xfrm>
+      </p:grpSpPr>
+      <p:cxnSp>
+        <p:nvCxnSpPr>
+          <p:cNvPr id="87" name="Curved Connector 86">
+            <a:extLst>
+              <a:ext uri="{FF2B5EF4-FFF2-40B4-BE49-F238E27FC236}">
+                <a16:creationId xmlns:a16="http://schemas.microsoft.com/office/drawing/2014/main" id="{FEBA1E6E-88E1-6244-88F7-4E2B1BBA2EC9}"/>
+              </a:ext>
+            </a:extLst>
+          </p:cNvPr>
+          <p:cNvCxnSpPr>
+            <a:cxnSpLocks/>
+            <a:stCxn id="116" idx="3"/>
+            <a:endCxn id="31" idx="1"/>
+          </p:cNvCxnSpPr>
+          <p:nvPr/>
+        </p:nvCxnSpPr>
+        <p:spPr>
+          <a:xfrm>
+            <a:off x="2312251" y="3455562"/>
+            <a:ext cx="1999026" cy="600509"/>
+          </a:xfrm>
+          <a:prstGeom prst="curvedConnector3">
+            <a:avLst>
+              <a:gd name="adj1" fmla="val 24530"/>
+            </a:avLst>
+          </a:prstGeom>
+          <a:ln>
+            <a:solidFill>
+              <a:srgbClr val="6798BF"/>
+            </a:solidFill>
+            <a:tailEnd type="triangle"/>
+          </a:ln>
+        </p:spPr>
+        <p:style>
+          <a:lnRef idx="1">
+            <a:schemeClr val="accent1"/>
+          </a:lnRef>
+          <a:fillRef idx="0">
+            <a:schemeClr val="accent1"/>
+          </a:fillRef>
+          <a:effectRef idx="0">
+            <a:schemeClr val="accent1"/>
+          </a:effectRef>
+          <a:fontRef idx="minor">
+            <a:schemeClr val="tx1"/>
+          </a:fontRef>
+        </p:style>
+      </p:cxnSp>
+      <p:sp>
+        <p:nvSpPr>
+          <p:cNvPr id="4" name="Freeform 3">
+            <a:extLst>
+              <a:ext uri="{FF2B5EF4-FFF2-40B4-BE49-F238E27FC236}">
+                <a16:creationId xmlns:a16="http://schemas.microsoft.com/office/drawing/2014/main" id="{F8260EBA-4E9B-834A-BC95-29FD68387ECD}"/>
+              </a:ext>
+            </a:extLst>
+          </p:cNvPr>
+          <p:cNvSpPr/>
+          <p:nvPr/>
+        </p:nvSpPr>
+        <p:spPr>
+          <a:xfrm>
+            <a:off x="723257" y="1351939"/>
+            <a:ext cx="625646" cy="724569"/>
+          </a:xfrm>
+          <a:custGeom>
+            <a:avLst/>
+            <a:gdLst>
+              <a:gd name="connsiteX0" fmla="*/ 466320 w 932643"/>
+              <a:gd name="connsiteY0" fmla="*/ 0 h 1080107"/>
+              <a:gd name="connsiteX1" fmla="*/ 736347 w 932643"/>
+              <a:gd name="connsiteY1" fmla="*/ 270027 h 1080107"/>
+              <a:gd name="connsiteX2" fmla="*/ 657258 w 932643"/>
+              <a:gd name="connsiteY2" fmla="*/ 460965 h 1080107"/>
+              <a:gd name="connsiteX3" fmla="*/ 580118 w 932643"/>
+              <a:gd name="connsiteY3" fmla="*/ 512974 h 1080107"/>
+              <a:gd name="connsiteX4" fmla="*/ 649207 w 932643"/>
+              <a:gd name="connsiteY4" fmla="*/ 542802 h 1080107"/>
+              <a:gd name="connsiteX5" fmla="*/ 930755 w 932643"/>
+              <a:gd name="connsiteY5" fmla="*/ 1045398 h 1080107"/>
+              <a:gd name="connsiteX6" fmla="*/ 932643 w 932643"/>
+              <a:gd name="connsiteY6" fmla="*/ 1080107 h 1080107"/>
+              <a:gd name="connsiteX7" fmla="*/ 0 w 932643"/>
+              <a:gd name="connsiteY7" fmla="*/ 1080107 h 1080107"/>
+              <a:gd name="connsiteX8" fmla="*/ 1888 w 932643"/>
+              <a:gd name="connsiteY8" fmla="*/ 1045398 h 1080107"/>
+              <a:gd name="connsiteX9" fmla="*/ 283436 w 932643"/>
+              <a:gd name="connsiteY9" fmla="*/ 542802 h 1080107"/>
+              <a:gd name="connsiteX10" fmla="*/ 352523 w 932643"/>
+              <a:gd name="connsiteY10" fmla="*/ 512975 h 1080107"/>
+              <a:gd name="connsiteX11" fmla="*/ 275382 w 932643"/>
+              <a:gd name="connsiteY11" fmla="*/ 460965 h 1080107"/>
+              <a:gd name="connsiteX12" fmla="*/ 196293 w 932643"/>
+              <a:gd name="connsiteY12" fmla="*/ 270027 h 1080107"/>
+              <a:gd name="connsiteX13" fmla="*/ 466320 w 932643"/>
+              <a:gd name="connsiteY13" fmla="*/ 0 h 1080107"/>
+            </a:gdLst>
+            <a:ahLst/>
+            <a:cxnLst>
+              <a:cxn ang="0">
+                <a:pos x="connsiteX0" y="connsiteY0"/>
+              </a:cxn>
+              <a:cxn ang="0">
+                <a:pos x="connsiteX1" y="connsiteY1"/>
+              </a:cxn>
+              <a:cxn ang="0">
+                <a:pos x="connsiteX2" y="connsiteY2"/>
+              </a:cxn>
+              <a:cxn ang="0">
+                <a:pos x="connsiteX3" y="connsiteY3"/>
+              </a:cxn>
+              <a:cxn ang="0">
+                <a:pos x="connsiteX4" y="connsiteY4"/>
+              </a:cxn>
+              <a:cxn ang="0">
+                <a:pos x="connsiteX5" y="connsiteY5"/>
+              </a:cxn>
+              <a:cxn ang="0">
+                <a:pos x="connsiteX6" y="connsiteY6"/>
+              </a:cxn>
+              <a:cxn ang="0">
+                <a:pos x="connsiteX7" y="connsiteY7"/>
+              </a:cxn>
+              <a:cxn ang="0">
+                <a:pos x="connsiteX8" y="connsiteY8"/>
+              </a:cxn>
+              <a:cxn ang="0">
+                <a:pos x="connsiteX9" y="connsiteY9"/>
+              </a:cxn>
+              <a:cxn ang="0">
+                <a:pos x="connsiteX10" y="connsiteY10"/>
+              </a:cxn>
+              <a:cxn ang="0">
+                <a:pos x="connsiteX11" y="connsiteY11"/>
+              </a:cxn>
+              <a:cxn ang="0">
+                <a:pos x="connsiteX12" y="connsiteY12"/>
+              </a:cxn>
+              <a:cxn ang="0">
+                <a:pos x="connsiteX13" y="connsiteY13"/>
+              </a:cxn>
+            </a:cxnLst>
+            <a:rect l="l" t="t" r="r" b="b"/>
+            <a:pathLst>
+              <a:path w="932643" h="1080107">
+                <a:moveTo>
+                  <a:pt x="466320" y="0"/>
+                </a:moveTo>
+                <a:cubicBezTo>
+                  <a:pt x="615452" y="0"/>
+                  <a:pt x="736347" y="120895"/>
+                  <a:pt x="736347" y="270027"/>
+                </a:cubicBezTo>
+                <a:cubicBezTo>
+                  <a:pt x="736347" y="344593"/>
+                  <a:pt x="706124" y="412100"/>
+                  <a:pt x="657258" y="460965"/>
+                </a:cubicBezTo>
+                <a:lnTo>
+                  <a:pt x="580118" y="512974"/>
+                </a:lnTo>
+                <a:lnTo>
+                  <a:pt x="649207" y="542802"/>
+                </a:lnTo>
+                <a:cubicBezTo>
+                  <a:pt x="796763" y="629603"/>
+                  <a:pt x="905801" y="818260"/>
+                  <a:pt x="930755" y="1045398"/>
+                </a:cubicBezTo>
+                <a:lnTo>
+                  <a:pt x="932643" y="1080107"/>
+                </a:lnTo>
+                <a:lnTo>
+                  <a:pt x="0" y="1080107"/>
+                </a:lnTo>
+                <a:lnTo>
+                  <a:pt x="1888" y="1045398"/>
+                </a:lnTo>
+                <a:cubicBezTo>
+                  <a:pt x="26842" y="818260"/>
+                  <a:pt x="135880" y="629603"/>
+                  <a:pt x="283436" y="542802"/>
+                </a:cubicBezTo>
+                <a:lnTo>
+                  <a:pt x="352523" y="512975"/>
+                </a:lnTo>
+                <a:lnTo>
+                  <a:pt x="275382" y="460965"/>
+                </a:lnTo>
+                <a:cubicBezTo>
+                  <a:pt x="226517" y="412100"/>
+                  <a:pt x="196293" y="344593"/>
+                  <a:pt x="196293" y="270027"/>
+                </a:cubicBezTo>
+                <a:cubicBezTo>
+                  <a:pt x="196293" y="120895"/>
+                  <a:pt x="317188" y="0"/>
+                  <a:pt x="466320" y="0"/>
+                </a:cubicBezTo>
+                <a:close/>
+              </a:path>
+            </a:pathLst>
+          </a:custGeom>
+          <a:solidFill>
+            <a:srgbClr val="17304F"/>
+          </a:solidFill>
+          <a:ln>
+            <a:solidFill>
+              <a:schemeClr val="bg1"/>
+            </a:solidFill>
+          </a:ln>
+        </p:spPr>
+        <p:style>
+          <a:lnRef idx="2">
+            <a:schemeClr val="accent1">
+              <a:shade val="50000"/>
+            </a:schemeClr>
+          </a:lnRef>
+          <a:fillRef idx="1">
+            <a:schemeClr val="accent1"/>
+          </a:fillRef>
+          <a:effectRef idx="0">
+            <a:schemeClr val="accent1"/>
+          </a:effectRef>
+          <a:fontRef idx="minor">
+            <a:schemeClr val="lt1"/>
+          </a:fontRef>
+        </p:style>
+        <p:txBody>
+          <a:bodyPr rtlCol="0" anchor="ctr"/>
+          <a:lstStyle/>
+          <a:p>
+            <a:pPr algn="ctr"/>
+            <a:endParaRPr lang="en-US"/>
+          </a:p>
+        </p:txBody>
+      </p:sp>
+      <p:sp>
+        <p:nvSpPr>
+          <p:cNvPr id="5" name="Rectangle 4">
+            <a:extLst>
+              <a:ext uri="{FF2B5EF4-FFF2-40B4-BE49-F238E27FC236}">
+                <a16:creationId xmlns:a16="http://schemas.microsoft.com/office/drawing/2014/main" id="{F2557CE0-4C35-014E-A490-D3611DA2C0CF}"/>
+              </a:ext>
+            </a:extLst>
+          </p:cNvPr>
+          <p:cNvSpPr/>
+          <p:nvPr/>
+        </p:nvSpPr>
+        <p:spPr>
+          <a:xfrm>
+            <a:off x="4119872" y="5078901"/>
+            <a:ext cx="1468817" cy="390543"/>
+          </a:xfrm>
+          <a:prstGeom prst="rect">
+            <a:avLst/>
+          </a:prstGeom>
+          <a:solidFill>
+            <a:srgbClr val="17304F"/>
+          </a:solidFill>
+        </p:spPr>
+        <p:style>
+          <a:lnRef idx="2">
+            <a:schemeClr val="accent1">
+              <a:shade val="50000"/>
+            </a:schemeClr>
+          </a:lnRef>
+          <a:fillRef idx="1">
+            <a:schemeClr val="accent1"/>
+          </a:fillRef>
+          <a:effectRef idx="0">
+            <a:schemeClr val="accent1"/>
+          </a:effectRef>
+          <a:fontRef idx="minor">
+            <a:schemeClr val="lt1"/>
+          </a:fontRef>
+        </p:style>
+        <p:txBody>
+          <a:bodyPr rtlCol="0" anchor="ctr"/>
+          <a:lstStyle/>
+          <a:p>
+            <a:pPr algn="ctr"/>
+            <a:r>
+              <a:rPr lang="en-CH" dirty="0"/>
+              <a:t>R</a:t>
+            </a:r>
+            <a:r>
+              <a:rPr lang="en-GB" dirty="0"/>
+              <a:t>P</a:t>
+            </a:r>
+            <a:r>
+              <a:rPr lang="en-CH" dirty="0"/>
+              <a:t>i 4</a:t>
+            </a:r>
+          </a:p>
+        </p:txBody>
+      </p:sp>
+      <p:sp>
+        <p:nvSpPr>
+          <p:cNvPr id="33" name="Rectangle 32">
+            <a:extLst>
+              <a:ext uri="{FF2B5EF4-FFF2-40B4-BE49-F238E27FC236}">
+                <a16:creationId xmlns:a16="http://schemas.microsoft.com/office/drawing/2014/main" id="{44025C26-EA6E-CA44-9156-06D44CE8496E}"/>
+              </a:ext>
+            </a:extLst>
+          </p:cNvPr>
+          <p:cNvSpPr/>
+          <p:nvPr/>
+        </p:nvSpPr>
+        <p:spPr>
+          <a:xfrm>
+            <a:off x="15509194" y="-2946865"/>
+            <a:ext cx="96238" cy="45719"/>
+          </a:xfrm>
+          <a:prstGeom prst="rect">
+            <a:avLst/>
+          </a:prstGeom>
+          <a:solidFill>
+            <a:srgbClr val="17304F"/>
+          </a:solidFill>
+        </p:spPr>
+        <p:style>
+          <a:lnRef idx="2">
+            <a:schemeClr val="accent1">
+              <a:shade val="50000"/>
+            </a:schemeClr>
+          </a:lnRef>
+          <a:fillRef idx="1">
+            <a:schemeClr val="accent1"/>
+          </a:fillRef>
+          <a:effectRef idx="0">
+            <a:schemeClr val="accent1"/>
+          </a:effectRef>
+          <a:fontRef idx="minor">
+            <a:schemeClr val="lt1"/>
+          </a:fontRef>
+        </p:style>
+        <p:txBody>
+          <a:bodyPr rtlCol="0" anchor="ctr"/>
+          <a:lstStyle/>
+          <a:p>
+            <a:pPr algn="ctr"/>
+            <a:r>
+              <a:rPr lang="en-CH" dirty="0"/>
+              <a:t>VM</a:t>
+            </a:r>
+          </a:p>
+        </p:txBody>
+      </p:sp>
+      <p:pic>
+        <p:nvPicPr>
+          <p:cNvPr id="1026" name="Picture 2">
+            <a:extLst>
+              <a:ext uri="{FF2B5EF4-FFF2-40B4-BE49-F238E27FC236}">
+                <a16:creationId xmlns:a16="http://schemas.microsoft.com/office/drawing/2014/main" id="{076FD1FB-2F44-394F-99E6-695CAB287CE4}"/>
+              </a:ext>
+            </a:extLst>
+          </p:cNvPr>
+          <p:cNvPicPr>
+            <a:picLocks noChangeAspect="1" noChangeArrowheads="1"/>
+          </p:cNvPicPr>
+          <p:nvPr/>
+        </p:nvPicPr>
+        <p:blipFill>
+          <a:blip r:embed="rId2">
+            <a:extLst>
+              <a:ext uri="{28A0092B-C50C-407E-A947-70E740481C1C}">
+                <a14:useLocalDpi xmlns:a14="http://schemas.microsoft.com/office/drawing/2010/main" val="0"/>
+              </a:ext>
+            </a:extLst>
+          </a:blip>
+          <a:srcRect/>
+          <a:stretch>
+            <a:fillRect/>
+          </a:stretch>
+        </p:blipFill>
+        <p:spPr bwMode="auto">
+          <a:xfrm>
+            <a:off x="8964134" y="5884598"/>
+            <a:ext cx="495300" cy="609600"/>
+          </a:xfrm>
+          <a:prstGeom prst="rect">
+            <a:avLst/>
+          </a:prstGeom>
+          <a:noFill/>
+          <a:extLst>
+            <a:ext uri="{909E8E84-426E-40DD-AFC4-6F175D3DCCD1}">
+              <a14:hiddenFill xmlns:a14="http://schemas.microsoft.com/office/drawing/2010/main">
+                <a:solidFill>
+                  <a:srgbClr val="FFFFFF"/>
+                </a:solidFill>
+              </a14:hiddenFill>
+            </a:ext>
+          </a:extLst>
+        </p:spPr>
+      </p:pic>
+      <p:sp>
+        <p:nvSpPr>
+          <p:cNvPr id="37" name="Rectangle 36">
+            <a:extLst>
+              <a:ext uri="{FF2B5EF4-FFF2-40B4-BE49-F238E27FC236}">
+                <a16:creationId xmlns:a16="http://schemas.microsoft.com/office/drawing/2014/main" id="{848344C6-D311-E948-899A-274C972745E7}"/>
+              </a:ext>
+            </a:extLst>
+          </p:cNvPr>
+          <p:cNvSpPr/>
+          <p:nvPr/>
+        </p:nvSpPr>
+        <p:spPr>
+          <a:xfrm>
+            <a:off x="6468253" y="5078901"/>
+            <a:ext cx="1468817" cy="390543"/>
+          </a:xfrm>
+          <a:prstGeom prst="rect">
+            <a:avLst/>
+          </a:prstGeom>
+          <a:solidFill>
+            <a:srgbClr val="17304F"/>
+          </a:solidFill>
+        </p:spPr>
+        <p:style>
+          <a:lnRef idx="2">
+            <a:schemeClr val="accent1">
+              <a:shade val="50000"/>
+            </a:schemeClr>
+          </a:lnRef>
+          <a:fillRef idx="1">
+            <a:schemeClr val="accent1"/>
+          </a:fillRef>
+          <a:effectRef idx="0">
+            <a:schemeClr val="accent1"/>
+          </a:effectRef>
+          <a:fontRef idx="minor">
+            <a:schemeClr val="lt1"/>
+          </a:fontRef>
+        </p:style>
+        <p:txBody>
+          <a:bodyPr rtlCol="0" anchor="ctr"/>
+          <a:lstStyle/>
+          <a:p>
+            <a:pPr algn="ctr"/>
+            <a:r>
+              <a:rPr lang="en-CH" dirty="0"/>
+              <a:t>R</a:t>
+            </a:r>
+            <a:r>
+              <a:rPr lang="en-GB" dirty="0"/>
+              <a:t>P</a:t>
+            </a:r>
+            <a:r>
+              <a:rPr lang="en-CH" dirty="0"/>
+              <a:t>i 4</a:t>
+            </a:r>
+          </a:p>
+        </p:txBody>
+      </p:sp>
+      <p:pic>
+        <p:nvPicPr>
+          <p:cNvPr id="3" name="Picture 2">
+            <a:extLst>
+              <a:ext uri="{FF2B5EF4-FFF2-40B4-BE49-F238E27FC236}">
+                <a16:creationId xmlns:a16="http://schemas.microsoft.com/office/drawing/2014/main" id="{6CCC9441-13F5-C941-950E-3B9FD388718B}"/>
+              </a:ext>
+            </a:extLst>
+          </p:cNvPr>
+          <p:cNvPicPr>
+            <a:picLocks noChangeAspect="1" noChangeArrowheads="1"/>
+          </p:cNvPicPr>
+          <p:nvPr/>
+        </p:nvPicPr>
+        <p:blipFill>
+          <a:blip r:embed="rId3">
+            <a:extLst>
+              <a:ext uri="{28A0092B-C50C-407E-A947-70E740481C1C}">
+                <a14:useLocalDpi xmlns:a14="http://schemas.microsoft.com/office/drawing/2010/main" val="0"/>
+              </a:ext>
+            </a:extLst>
+          </a:blip>
+          <a:srcRect/>
+          <a:stretch>
+            <a:fillRect/>
+          </a:stretch>
+        </p:blipFill>
+        <p:spPr bwMode="auto">
+          <a:xfrm>
+            <a:off x="7608917" y="5127995"/>
+            <a:ext cx="419046" cy="529321"/>
+          </a:xfrm>
+          <a:prstGeom prst="rect">
+            <a:avLst/>
+          </a:prstGeom>
+          <a:noFill/>
+          <a:extLst>
+            <a:ext uri="{909E8E84-426E-40DD-AFC4-6F175D3DCCD1}">
+              <a14:hiddenFill xmlns:a14="http://schemas.microsoft.com/office/drawing/2010/main">
+                <a:solidFill>
+                  <a:srgbClr val="FFFFFF"/>
+                </a:solidFill>
+              </a14:hiddenFill>
+            </a:ext>
+          </a:extLst>
+        </p:spPr>
+      </p:pic>
+      <p:pic>
+        <p:nvPicPr>
+          <p:cNvPr id="40" name="Picture 39">
+            <a:extLst>
+              <a:ext uri="{FF2B5EF4-FFF2-40B4-BE49-F238E27FC236}">
+                <a16:creationId xmlns:a16="http://schemas.microsoft.com/office/drawing/2014/main" id="{00F32B7B-1322-F94D-884E-2B710BAF8037}"/>
+              </a:ext>
+            </a:extLst>
+          </p:cNvPr>
+          <p:cNvPicPr>
+            <a:picLocks noChangeAspect="1" noChangeArrowheads="1"/>
+          </p:cNvPicPr>
+          <p:nvPr/>
+        </p:nvPicPr>
+        <p:blipFill>
+          <a:blip r:embed="rId3">
+            <a:extLst>
+              <a:ext uri="{28A0092B-C50C-407E-A947-70E740481C1C}">
+                <a14:useLocalDpi xmlns:a14="http://schemas.microsoft.com/office/drawing/2010/main" val="0"/>
+              </a:ext>
+            </a:extLst>
+          </a:blip>
+          <a:srcRect/>
+          <a:stretch>
+            <a:fillRect/>
+          </a:stretch>
+        </p:blipFill>
+        <p:spPr bwMode="auto">
+          <a:xfrm>
+            <a:off x="5267454" y="5127995"/>
+            <a:ext cx="419046" cy="529321"/>
+          </a:xfrm>
+          <a:prstGeom prst="rect">
+            <a:avLst/>
+          </a:prstGeom>
+          <a:noFill/>
+          <a:extLst>
+            <a:ext uri="{909E8E84-426E-40DD-AFC4-6F175D3DCCD1}">
+              <a14:hiddenFill xmlns:a14="http://schemas.microsoft.com/office/drawing/2010/main">
+                <a:solidFill>
+                  <a:srgbClr val="FFFFFF"/>
+                </a:solidFill>
+              </a14:hiddenFill>
+            </a:ext>
+          </a:extLst>
+        </p:spPr>
+      </p:pic>
+      <p:sp>
+        <p:nvSpPr>
+          <p:cNvPr id="8" name="Left-right Arrow 7">
+            <a:extLst>
+              <a:ext uri="{FF2B5EF4-FFF2-40B4-BE49-F238E27FC236}">
+                <a16:creationId xmlns:a16="http://schemas.microsoft.com/office/drawing/2014/main" id="{AC7D190A-225A-1341-817E-190F3B5E991F}"/>
+              </a:ext>
+            </a:extLst>
+          </p:cNvPr>
+          <p:cNvSpPr/>
+          <p:nvPr/>
+        </p:nvSpPr>
+        <p:spPr>
+          <a:xfrm>
+            <a:off x="5747034" y="5181360"/>
+            <a:ext cx="592318" cy="207396"/>
+          </a:xfrm>
+          <a:prstGeom prst="leftRightArrow">
+            <a:avLst>
+              <a:gd name="adj1" fmla="val 30568"/>
+              <a:gd name="adj2" fmla="val 50000"/>
+            </a:avLst>
+          </a:prstGeom>
+          <a:solidFill>
+            <a:srgbClr val="6798BF"/>
+          </a:solidFill>
+          <a:ln>
+            <a:solidFill>
+              <a:srgbClr val="6798BF"/>
+            </a:solidFill>
+          </a:ln>
+        </p:spPr>
+        <p:style>
+          <a:lnRef idx="2">
+            <a:schemeClr val="accent1">
+              <a:shade val="50000"/>
+            </a:schemeClr>
+          </a:lnRef>
+          <a:fillRef idx="1">
+            <a:schemeClr val="accent1"/>
+          </a:fillRef>
+          <a:effectRef idx="0">
+            <a:schemeClr val="accent1"/>
+          </a:effectRef>
+          <a:fontRef idx="minor">
+            <a:schemeClr val="lt1"/>
+          </a:fontRef>
+        </p:style>
+        <p:txBody>
+          <a:bodyPr rtlCol="0" anchor="ctr"/>
+          <a:lstStyle/>
+          <a:p>
+            <a:pPr algn="ctr"/>
+            <a:endParaRPr lang="en-CH">
+              <a:solidFill>
+                <a:schemeClr val="tx1"/>
+              </a:solidFill>
+            </a:endParaRPr>
+          </a:p>
+        </p:txBody>
+      </p:sp>
+      <p:sp>
+        <p:nvSpPr>
+          <p:cNvPr id="46" name="Bent Arrow 45">
+            <a:extLst>
+              <a:ext uri="{FF2B5EF4-FFF2-40B4-BE49-F238E27FC236}">
+                <a16:creationId xmlns:a16="http://schemas.microsoft.com/office/drawing/2014/main" id="{20E7FCD5-7D26-AF4D-97CC-7117D01CC87D}"/>
+              </a:ext>
+            </a:extLst>
+          </p:cNvPr>
+          <p:cNvSpPr/>
+          <p:nvPr/>
+        </p:nvSpPr>
+        <p:spPr>
+          <a:xfrm rot="16200000">
+            <a:off x="7693929" y="5151266"/>
+            <a:ext cx="700981" cy="1468816"/>
+          </a:xfrm>
+          <a:prstGeom prst="bentArrow">
+            <a:avLst>
+              <a:gd name="adj1" fmla="val 21904"/>
+              <a:gd name="adj2" fmla="val 19581"/>
+              <a:gd name="adj3" fmla="val 21904"/>
+              <a:gd name="adj4" fmla="val 39106"/>
+            </a:avLst>
+          </a:prstGeom>
+          <a:solidFill>
+            <a:srgbClr val="6798BF"/>
+          </a:solidFill>
+          <a:ln>
+            <a:solidFill>
+              <a:srgbClr val="6798BF"/>
+            </a:solidFill>
+          </a:ln>
+        </p:spPr>
+        <p:style>
+          <a:lnRef idx="2">
+            <a:schemeClr val="accent1">
+              <a:shade val="50000"/>
+            </a:schemeClr>
+          </a:lnRef>
+          <a:fillRef idx="1">
+            <a:schemeClr val="accent1"/>
+          </a:fillRef>
+          <a:effectRef idx="0">
+            <a:schemeClr val="accent1"/>
+          </a:effectRef>
+          <a:fontRef idx="minor">
+            <a:schemeClr val="lt1"/>
+          </a:fontRef>
+        </p:style>
+        <p:txBody>
+          <a:bodyPr rtlCol="0" anchor="ctr"/>
+          <a:lstStyle/>
+          <a:p>
+            <a:pPr algn="ctr"/>
+            <a:endParaRPr lang="en-CH">
+              <a:solidFill>
+                <a:schemeClr val="tx1"/>
+              </a:solidFill>
+            </a:endParaRPr>
+          </a:p>
+        </p:txBody>
+      </p:sp>
+      <p:grpSp>
+        <p:nvGrpSpPr>
+          <p:cNvPr id="27" name="Group 26">
+            <a:extLst>
+              <a:ext uri="{FF2B5EF4-FFF2-40B4-BE49-F238E27FC236}">
+                <a16:creationId xmlns:a16="http://schemas.microsoft.com/office/drawing/2014/main" id="{CC7A45EC-2628-0840-BE55-952EBB259836}"/>
+              </a:ext>
+            </a:extLst>
+          </p:cNvPr>
+          <p:cNvGrpSpPr/>
+          <p:nvPr/>
+        </p:nvGrpSpPr>
+        <p:grpSpPr>
+          <a:xfrm>
+            <a:off x="1637387" y="4836280"/>
+            <a:ext cx="852565" cy="875783"/>
+            <a:chOff x="9816521" y="3383815"/>
+            <a:chExt cx="852565" cy="875783"/>
+          </a:xfrm>
+        </p:grpSpPr>
+        <p:grpSp>
+          <p:nvGrpSpPr>
+            <p:cNvPr id="18" name="Group 17">
+              <a:extLst>
+                <a:ext uri="{FF2B5EF4-FFF2-40B4-BE49-F238E27FC236}">
+                  <a16:creationId xmlns:a16="http://schemas.microsoft.com/office/drawing/2014/main" id="{2D6AF7FC-5572-6049-9231-3CC77C2F4556}"/>
+                </a:ext>
+              </a:extLst>
+            </p:cNvPr>
+            <p:cNvGrpSpPr/>
+            <p:nvPr/>
+          </p:nvGrpSpPr>
+          <p:grpSpPr>
+            <a:xfrm>
+              <a:off x="9816521" y="3383815"/>
+              <a:ext cx="852565" cy="875783"/>
+              <a:chOff x="9816521" y="3383815"/>
+              <a:chExt cx="852565" cy="875783"/>
+            </a:xfrm>
+          </p:grpSpPr>
+          <p:sp>
+            <p:nvSpPr>
+              <p:cNvPr id="39" name="Magnetic Disk 38">
+                <a:extLst>
+                  <a:ext uri="{FF2B5EF4-FFF2-40B4-BE49-F238E27FC236}">
+                    <a16:creationId xmlns:a16="http://schemas.microsoft.com/office/drawing/2014/main" id="{B414A9B3-BDED-6C41-81F9-7C4C40DFFCA7}"/>
+                  </a:ext>
+                </a:extLst>
+              </p:cNvPr>
+              <p:cNvSpPr/>
+              <p:nvPr/>
+            </p:nvSpPr>
+            <p:spPr>
+              <a:xfrm>
+                <a:off x="9816521" y="3922144"/>
+                <a:ext cx="852565" cy="337454"/>
+              </a:xfrm>
+              <a:prstGeom prst="flowChartMagneticDisk">
+                <a:avLst/>
+              </a:prstGeom>
+              <a:solidFill>
+                <a:srgbClr val="17304F"/>
+              </a:solidFill>
+              <a:ln>
+                <a:solidFill>
+                  <a:srgbClr val="6798BF"/>
+                </a:solidFill>
+              </a:ln>
+            </p:spPr>
+            <p:style>
+              <a:lnRef idx="2">
+                <a:schemeClr val="accent1">
+                  <a:shade val="50000"/>
+                </a:schemeClr>
+              </a:lnRef>
+              <a:fillRef idx="1">
+                <a:schemeClr val="accent1"/>
+              </a:fillRef>
+              <a:effectRef idx="0">
+                <a:schemeClr val="accent1"/>
+              </a:effectRef>
+              <a:fontRef idx="minor">
+                <a:schemeClr val="lt1"/>
+              </a:fontRef>
+            </p:style>
+            <p:txBody>
+              <a:bodyPr rtlCol="0" anchor="ctr"/>
+              <a:lstStyle/>
+              <a:p>
+                <a:pPr algn="ctr"/>
+                <a:endParaRPr lang="en-CH" dirty="0"/>
+              </a:p>
+            </p:txBody>
+          </p:sp>
+          <p:sp>
+            <p:nvSpPr>
+              <p:cNvPr id="44" name="Magnetic Disk 43">
+                <a:extLst>
+                  <a:ext uri="{FF2B5EF4-FFF2-40B4-BE49-F238E27FC236}">
+                    <a16:creationId xmlns:a16="http://schemas.microsoft.com/office/drawing/2014/main" id="{B7F2BDFF-DC5F-774F-B207-580FEBC859AC}"/>
+                  </a:ext>
+                </a:extLst>
+              </p:cNvPr>
+              <p:cNvSpPr/>
+              <p:nvPr/>
+            </p:nvSpPr>
+            <p:spPr>
+              <a:xfrm>
+                <a:off x="9816521" y="3652161"/>
+                <a:ext cx="852565" cy="337454"/>
+              </a:xfrm>
+              <a:prstGeom prst="flowChartMagneticDisk">
+                <a:avLst/>
+              </a:prstGeom>
+              <a:solidFill>
+                <a:srgbClr val="17304F"/>
+              </a:solidFill>
+              <a:ln>
+                <a:solidFill>
+                  <a:srgbClr val="6798BF"/>
+                </a:solidFill>
+              </a:ln>
+            </p:spPr>
+            <p:style>
+              <a:lnRef idx="2">
+                <a:schemeClr val="accent1">
+                  <a:shade val="50000"/>
+                </a:schemeClr>
+              </a:lnRef>
+              <a:fillRef idx="1">
+                <a:schemeClr val="accent1"/>
+              </a:fillRef>
+              <a:effectRef idx="0">
+                <a:schemeClr val="accent1"/>
+              </a:effectRef>
+              <a:fontRef idx="minor">
+                <a:schemeClr val="lt1"/>
+              </a:fontRef>
+            </p:style>
+            <p:txBody>
+              <a:bodyPr rtlCol="0" anchor="ctr"/>
+              <a:lstStyle/>
+              <a:p>
+                <a:pPr algn="ctr"/>
+                <a:endParaRPr lang="en-CH" dirty="0"/>
+              </a:p>
+            </p:txBody>
+          </p:sp>
+          <p:sp>
+            <p:nvSpPr>
+              <p:cNvPr id="45" name="Magnetic Disk 44">
+                <a:extLst>
+                  <a:ext uri="{FF2B5EF4-FFF2-40B4-BE49-F238E27FC236}">
+                    <a16:creationId xmlns:a16="http://schemas.microsoft.com/office/drawing/2014/main" id="{F77D8C52-3C89-5540-8FD8-B2E8443785F6}"/>
+                  </a:ext>
+                </a:extLst>
+              </p:cNvPr>
+              <p:cNvSpPr/>
+              <p:nvPr/>
+            </p:nvSpPr>
+            <p:spPr>
+              <a:xfrm>
+                <a:off x="9816521" y="3383815"/>
+                <a:ext cx="852565" cy="337454"/>
+              </a:xfrm>
+              <a:prstGeom prst="flowChartMagneticDisk">
+                <a:avLst/>
+              </a:prstGeom>
+              <a:solidFill>
+                <a:srgbClr val="17304F"/>
+              </a:solidFill>
+              <a:ln>
+                <a:solidFill>
+                  <a:srgbClr val="6798BF"/>
+                </a:solidFill>
+              </a:ln>
+            </p:spPr>
+            <p:style>
+              <a:lnRef idx="2">
+                <a:schemeClr val="accent1">
+                  <a:shade val="50000"/>
+                </a:schemeClr>
+              </a:lnRef>
+              <a:fillRef idx="1">
+                <a:schemeClr val="accent1"/>
+              </a:fillRef>
+              <a:effectRef idx="0">
+                <a:schemeClr val="accent1"/>
+              </a:effectRef>
+              <a:fontRef idx="minor">
+                <a:schemeClr val="lt1"/>
+              </a:fontRef>
+            </p:style>
+            <p:txBody>
+              <a:bodyPr rtlCol="0" anchor="ctr"/>
+              <a:lstStyle/>
+              <a:p>
+                <a:pPr algn="ctr"/>
+                <a:endParaRPr lang="en-CH"/>
+              </a:p>
+            </p:txBody>
+          </p:sp>
+        </p:grpSp>
+        <p:sp>
+          <p:nvSpPr>
+            <p:cNvPr id="24" name="TextBox 23">
+              <a:extLst>
+                <a:ext uri="{FF2B5EF4-FFF2-40B4-BE49-F238E27FC236}">
+                  <a16:creationId xmlns:a16="http://schemas.microsoft.com/office/drawing/2014/main" id="{1C2FD54F-2817-7541-B046-B496FC7AEE1E}"/>
+                </a:ext>
+              </a:extLst>
+            </p:cNvPr>
+            <p:cNvSpPr txBox="1"/>
+            <p:nvPr/>
+          </p:nvSpPr>
+          <p:spPr>
+            <a:xfrm>
+              <a:off x="10027628" y="3735276"/>
+              <a:ext cx="486030" cy="307777"/>
+            </a:xfrm>
+            <a:prstGeom prst="rect">
+              <a:avLst/>
+            </a:prstGeom>
+            <a:noFill/>
+          </p:spPr>
+          <p:txBody>
+            <a:bodyPr wrap="none" rtlCol="0">
+              <a:spAutoFit/>
+            </a:bodyPr>
+            <a:lstStyle/>
+            <a:p>
+              <a:r>
+                <a:rPr lang="en-CH" sz="1400" dirty="0">
+                  <a:solidFill>
+                    <a:schemeClr val="bg1"/>
+                  </a:solidFill>
+                </a:rPr>
+                <a:t>NAS</a:t>
+              </a:r>
+            </a:p>
+          </p:txBody>
+        </p:sp>
+      </p:grpSp>
+      <p:grpSp>
+        <p:nvGrpSpPr>
+          <p:cNvPr id="35" name="Group 34">
+            <a:extLst>
+              <a:ext uri="{FF2B5EF4-FFF2-40B4-BE49-F238E27FC236}">
+                <a16:creationId xmlns:a16="http://schemas.microsoft.com/office/drawing/2014/main" id="{B5F81136-95D6-B748-A238-EFEB25B88011}"/>
+              </a:ext>
+            </a:extLst>
+          </p:cNvPr>
+          <p:cNvGrpSpPr/>
+          <p:nvPr/>
+        </p:nvGrpSpPr>
+        <p:grpSpPr>
+          <a:xfrm>
+            <a:off x="2942704" y="3727720"/>
+            <a:ext cx="6653408" cy="996982"/>
+            <a:chOff x="2552938" y="3744934"/>
+            <a:chExt cx="6653408" cy="996982"/>
+          </a:xfrm>
+        </p:grpSpPr>
+        <p:sp>
+          <p:nvSpPr>
+            <p:cNvPr id="10" name="Rectangle 9">
+              <a:extLst>
+                <a:ext uri="{FF2B5EF4-FFF2-40B4-BE49-F238E27FC236}">
+                  <a16:creationId xmlns:a16="http://schemas.microsoft.com/office/drawing/2014/main" id="{4B6B1B2F-5C8C-8541-9831-95A712107CC1}"/>
+                </a:ext>
+              </a:extLst>
+            </p:cNvPr>
+            <p:cNvSpPr/>
+            <p:nvPr/>
+          </p:nvSpPr>
+          <p:spPr>
+            <a:xfrm>
+              <a:off x="2661431" y="3744934"/>
+              <a:ext cx="838200" cy="838200"/>
+            </a:xfrm>
+            <a:prstGeom prst="rect">
+              <a:avLst/>
+            </a:prstGeom>
+            <a:noFill/>
+            <a:ln w="28575">
+              <a:solidFill>
+                <a:srgbClr val="8BBEB3"/>
+              </a:solidFill>
+            </a:ln>
+          </p:spPr>
+          <p:style>
+            <a:lnRef idx="2">
+              <a:schemeClr val="accent1">
+                <a:shade val="50000"/>
+              </a:schemeClr>
+            </a:lnRef>
+            <a:fillRef idx="1">
+              <a:schemeClr val="accent1"/>
+            </a:fillRef>
+            <a:effectRef idx="0">
+              <a:schemeClr val="accent1"/>
+            </a:effectRef>
+            <a:fontRef idx="minor">
+              <a:schemeClr val="lt1"/>
+            </a:fontRef>
+          </p:style>
+          <p:txBody>
+            <a:bodyPr rtlCol="0" anchor="ctr"/>
+            <a:lstStyle/>
+            <a:p>
+              <a:pPr algn="ctr"/>
+              <a:endParaRPr lang="en-CH"/>
+            </a:p>
+          </p:txBody>
+        </p:sp>
+        <p:sp>
+          <p:nvSpPr>
+            <p:cNvPr id="20" name="TextBox 19">
+              <a:extLst>
+                <a:ext uri="{FF2B5EF4-FFF2-40B4-BE49-F238E27FC236}">
+                  <a16:creationId xmlns:a16="http://schemas.microsoft.com/office/drawing/2014/main" id="{E3BDA8D5-5C6D-234B-A9B1-C054D8ACE364}"/>
+                </a:ext>
+              </a:extLst>
+            </p:cNvPr>
+            <p:cNvSpPr txBox="1"/>
+            <p:nvPr/>
+          </p:nvSpPr>
+          <p:spPr>
+            <a:xfrm>
+              <a:off x="2804351" y="4290156"/>
+              <a:ext cx="577338" cy="307777"/>
+            </a:xfrm>
+            <a:prstGeom prst="rect">
+              <a:avLst/>
+            </a:prstGeom>
+            <a:noFill/>
+          </p:spPr>
+          <p:txBody>
+            <a:bodyPr wrap="none" rtlCol="0">
+              <a:spAutoFit/>
+            </a:bodyPr>
+            <a:lstStyle/>
+            <a:p>
+              <a:r>
+                <a:rPr lang="en-CH" sz="1400" dirty="0">
+                  <a:solidFill>
+                    <a:srgbClr val="17304F"/>
+                  </a:solidFill>
+                </a:rPr>
+                <a:t>nginx</a:t>
+              </a:r>
+              <a:endParaRPr lang="en-CH" dirty="0">
+                <a:solidFill>
+                  <a:srgbClr val="17304F"/>
+                </a:solidFill>
+              </a:endParaRPr>
+            </a:p>
+          </p:txBody>
+        </p:sp>
+        <p:sp>
+          <p:nvSpPr>
+            <p:cNvPr id="14" name="Rectangle 13">
+              <a:extLst>
+                <a:ext uri="{FF2B5EF4-FFF2-40B4-BE49-F238E27FC236}">
+                  <a16:creationId xmlns:a16="http://schemas.microsoft.com/office/drawing/2014/main" id="{BC7B0818-478A-1B41-AF90-8B63C52277DD}"/>
+                </a:ext>
+              </a:extLst>
+            </p:cNvPr>
+            <p:cNvSpPr/>
+            <p:nvPr/>
+          </p:nvSpPr>
+          <p:spPr>
+            <a:xfrm>
+              <a:off x="3614221" y="3748435"/>
+              <a:ext cx="1233794" cy="838200"/>
+            </a:xfrm>
+            <a:prstGeom prst="rect">
+              <a:avLst/>
+            </a:prstGeom>
+            <a:noFill/>
+            <a:ln w="28575">
+              <a:solidFill>
+                <a:srgbClr val="8BBEB3"/>
+              </a:solidFill>
+            </a:ln>
+          </p:spPr>
+          <p:style>
+            <a:lnRef idx="2">
+              <a:schemeClr val="accent1">
+                <a:shade val="50000"/>
+              </a:schemeClr>
+            </a:lnRef>
+            <a:fillRef idx="1">
+              <a:schemeClr val="accent1"/>
+            </a:fillRef>
+            <a:effectRef idx="0">
+              <a:schemeClr val="accent1"/>
+            </a:effectRef>
+            <a:fontRef idx="minor">
+              <a:schemeClr val="lt1"/>
+            </a:fontRef>
+          </p:style>
+          <p:txBody>
+            <a:bodyPr rtlCol="0" anchor="ctr"/>
+            <a:lstStyle/>
+            <a:p>
+              <a:pPr algn="ctr"/>
+              <a:endParaRPr lang="en-CH"/>
+            </a:p>
+          </p:txBody>
+        </p:sp>
+        <p:sp>
+          <p:nvSpPr>
+            <p:cNvPr id="13" name="Rectangle 12">
+              <a:extLst>
+                <a:ext uri="{FF2B5EF4-FFF2-40B4-BE49-F238E27FC236}">
+                  <a16:creationId xmlns:a16="http://schemas.microsoft.com/office/drawing/2014/main" id="{E05EEB37-9E0E-5D40-9599-A75FE8D70AD5}"/>
+                </a:ext>
+              </a:extLst>
+            </p:cNvPr>
+            <p:cNvSpPr/>
+            <p:nvPr/>
+          </p:nvSpPr>
+          <p:spPr>
+            <a:xfrm>
+              <a:off x="5923075" y="3756269"/>
+              <a:ext cx="1729483" cy="838200"/>
+            </a:xfrm>
+            <a:prstGeom prst="rect">
+              <a:avLst/>
+            </a:prstGeom>
+            <a:noFill/>
+            <a:ln w="28575">
+              <a:solidFill>
+                <a:srgbClr val="8BBEB3"/>
+              </a:solidFill>
+            </a:ln>
+          </p:spPr>
+          <p:style>
+            <a:lnRef idx="2">
+              <a:schemeClr val="accent1">
+                <a:shade val="50000"/>
+              </a:schemeClr>
+            </a:lnRef>
+            <a:fillRef idx="1">
+              <a:schemeClr val="accent1"/>
+            </a:fillRef>
+            <a:effectRef idx="0">
+              <a:schemeClr val="accent1"/>
+            </a:effectRef>
+            <a:fontRef idx="minor">
+              <a:schemeClr val="lt1"/>
+            </a:fontRef>
+          </p:style>
+          <p:txBody>
+            <a:bodyPr rtlCol="0" anchor="ctr"/>
+            <a:lstStyle/>
+            <a:p>
+              <a:pPr algn="ctr"/>
+              <a:endParaRPr lang="en-CH"/>
+            </a:p>
+          </p:txBody>
+        </p:sp>
+        <p:sp>
+          <p:nvSpPr>
+            <p:cNvPr id="32" name="TextBox 31">
+              <a:extLst>
+                <a:ext uri="{FF2B5EF4-FFF2-40B4-BE49-F238E27FC236}">
+                  <a16:creationId xmlns:a16="http://schemas.microsoft.com/office/drawing/2014/main" id="{E2769830-1398-7E40-824A-AB3E17C7AF56}"/>
+                </a:ext>
+              </a:extLst>
+            </p:cNvPr>
+            <p:cNvSpPr txBox="1"/>
+            <p:nvPr/>
+          </p:nvSpPr>
+          <p:spPr>
+            <a:xfrm>
+              <a:off x="5913950" y="4301491"/>
+              <a:ext cx="1814536" cy="307777"/>
+            </a:xfrm>
+            <a:prstGeom prst="rect">
+              <a:avLst/>
+            </a:prstGeom>
+            <a:noFill/>
+          </p:spPr>
+          <p:txBody>
+            <a:bodyPr wrap="none" rtlCol="0">
+              <a:spAutoFit/>
+            </a:bodyPr>
+            <a:lstStyle/>
+            <a:p>
+              <a:r>
+                <a:rPr lang="en-CH" sz="1400" dirty="0">
+                  <a:solidFill>
+                    <a:srgbClr val="17304F"/>
+                  </a:solidFill>
+                </a:rPr>
+                <a:t>Logitech Media Server</a:t>
+              </a:r>
+              <a:endParaRPr lang="en-CH" dirty="0">
+                <a:solidFill>
+                  <a:srgbClr val="17304F"/>
+                </a:solidFill>
+              </a:endParaRPr>
+            </a:p>
+          </p:txBody>
+        </p:sp>
+        <p:grpSp>
+          <p:nvGrpSpPr>
+            <p:cNvPr id="17" name="Group 16">
+              <a:extLst>
+                <a:ext uri="{FF2B5EF4-FFF2-40B4-BE49-F238E27FC236}">
+                  <a16:creationId xmlns:a16="http://schemas.microsoft.com/office/drawing/2014/main" id="{9EB6738F-FE5B-0645-B30A-34EA14B12D01}"/>
+                </a:ext>
+              </a:extLst>
+            </p:cNvPr>
+            <p:cNvGrpSpPr/>
+            <p:nvPr/>
+          </p:nvGrpSpPr>
+          <p:grpSpPr>
+            <a:xfrm>
+              <a:off x="2552938" y="4461821"/>
+              <a:ext cx="6653408" cy="280095"/>
+              <a:chOff x="2552938" y="4535573"/>
+              <a:chExt cx="3711552" cy="206343"/>
+            </a:xfrm>
+          </p:grpSpPr>
+          <p:cxnSp>
+            <p:nvCxnSpPr>
+              <p:cNvPr id="9" name="Straight Connector 8">
+                <a:extLst>
+                  <a:ext uri="{FF2B5EF4-FFF2-40B4-BE49-F238E27FC236}">
+                    <a16:creationId xmlns:a16="http://schemas.microsoft.com/office/drawing/2014/main" id="{07027AC9-8C20-1B46-8A94-F06709390189}"/>
+                  </a:ext>
+                </a:extLst>
+              </p:cNvPr>
+              <p:cNvCxnSpPr>
+                <a:cxnSpLocks/>
+              </p:cNvCxnSpPr>
+              <p:nvPr/>
+            </p:nvCxnSpPr>
+            <p:spPr>
+              <a:xfrm flipH="1">
+                <a:off x="2552938" y="4723102"/>
+                <a:ext cx="3711552" cy="15857"/>
+              </a:xfrm>
+              <a:prstGeom prst="line">
+                <a:avLst/>
+              </a:prstGeom>
+              <a:ln w="28575">
+                <a:solidFill>
+                  <a:srgbClr val="17304F"/>
+                </a:solidFill>
+              </a:ln>
+            </p:spPr>
+            <p:style>
+              <a:lnRef idx="1">
+                <a:schemeClr val="accent1"/>
+              </a:lnRef>
+              <a:fillRef idx="0">
+                <a:schemeClr val="accent1"/>
+              </a:fillRef>
+              <a:effectRef idx="0">
+                <a:schemeClr val="accent1"/>
+              </a:effectRef>
+              <a:fontRef idx="minor">
+                <a:schemeClr val="tx1"/>
+              </a:fontRef>
+            </p:style>
+          </p:cxnSp>
+          <p:cxnSp>
+            <p:nvCxnSpPr>
+              <p:cNvPr id="47" name="Straight Connector 46">
+                <a:extLst>
+                  <a:ext uri="{FF2B5EF4-FFF2-40B4-BE49-F238E27FC236}">
+                    <a16:creationId xmlns:a16="http://schemas.microsoft.com/office/drawing/2014/main" id="{AC3A45F8-3310-8B47-BCE9-74747191C7E3}"/>
+                  </a:ext>
+                </a:extLst>
+              </p:cNvPr>
+              <p:cNvCxnSpPr/>
+              <p:nvPr/>
+            </p:nvCxnSpPr>
+            <p:spPr>
+              <a:xfrm flipV="1">
+                <a:off x="2558027" y="4554387"/>
+                <a:ext cx="0" cy="187529"/>
+              </a:xfrm>
+              <a:prstGeom prst="line">
+                <a:avLst/>
+              </a:prstGeom>
+              <a:ln w="28575">
+                <a:solidFill>
+                  <a:srgbClr val="17304F"/>
+                </a:solidFill>
+              </a:ln>
+            </p:spPr>
+            <p:style>
+              <a:lnRef idx="1">
+                <a:schemeClr val="accent1"/>
+              </a:lnRef>
+              <a:fillRef idx="0">
+                <a:schemeClr val="accent1"/>
+              </a:fillRef>
+              <a:effectRef idx="0">
+                <a:schemeClr val="accent1"/>
+              </a:effectRef>
+              <a:fontRef idx="minor">
+                <a:schemeClr val="tx1"/>
+              </a:fontRef>
+            </p:style>
+          </p:cxnSp>
+          <p:cxnSp>
+            <p:nvCxnSpPr>
+              <p:cNvPr id="52" name="Straight Connector 51">
+                <a:extLst>
+                  <a:ext uri="{FF2B5EF4-FFF2-40B4-BE49-F238E27FC236}">
+                    <a16:creationId xmlns:a16="http://schemas.microsoft.com/office/drawing/2014/main" id="{65144586-4C86-E045-8D6E-815431B3A86E}"/>
+                  </a:ext>
+                </a:extLst>
+              </p:cNvPr>
+              <p:cNvCxnSpPr/>
+              <p:nvPr/>
+            </p:nvCxnSpPr>
+            <p:spPr>
+              <a:xfrm flipV="1">
+                <a:off x="6261305" y="4535573"/>
+                <a:ext cx="0" cy="187529"/>
+              </a:xfrm>
+              <a:prstGeom prst="line">
+                <a:avLst/>
+              </a:prstGeom>
+              <a:ln w="28575">
+                <a:solidFill>
+                  <a:srgbClr val="17304F"/>
+                </a:solidFill>
+              </a:ln>
+            </p:spPr>
+            <p:style>
+              <a:lnRef idx="1">
+                <a:schemeClr val="accent1"/>
+              </a:lnRef>
+              <a:fillRef idx="0">
+                <a:schemeClr val="accent1"/>
+              </a:fillRef>
+              <a:effectRef idx="0">
+                <a:schemeClr val="accent1"/>
+              </a:effectRef>
+              <a:fontRef idx="minor">
+                <a:schemeClr val="tx1"/>
+              </a:fontRef>
+            </p:style>
+          </p:cxnSp>
+        </p:grpSp>
+        <p:pic>
+          <p:nvPicPr>
+            <p:cNvPr id="31" name="Picture 4" descr="HASSio Setup | Set up Home Assistant with a Raspberry Pi ...">
+              <a:extLst>
+                <a:ext uri="{FF2B5EF4-FFF2-40B4-BE49-F238E27FC236}">
+                  <a16:creationId xmlns:a16="http://schemas.microsoft.com/office/drawing/2014/main" id="{244A1037-89FB-E94C-AE72-881ECA6C0238}"/>
+                </a:ext>
+              </a:extLst>
+            </p:cNvPr>
+            <p:cNvPicPr>
+              <a:picLocks noChangeAspect="1" noChangeArrowheads="1"/>
+            </p:cNvPicPr>
+            <p:nvPr/>
+          </p:nvPicPr>
+          <p:blipFill>
+            <a:blip r:embed="rId4">
+              <a:extLst>
+                <a:ext uri="{28A0092B-C50C-407E-A947-70E740481C1C}">
+                  <a14:useLocalDpi xmlns:a14="http://schemas.microsoft.com/office/drawing/2010/main" val="0"/>
+                </a:ext>
+              </a:extLst>
+            </a:blip>
+            <a:srcRect/>
+            <a:stretch>
+              <a:fillRect/>
+            </a:stretch>
+          </p:blipFill>
+          <p:spPr bwMode="auto">
+            <a:xfrm>
+              <a:off x="3921511" y="3777591"/>
+              <a:ext cx="591387" cy="591387"/>
+            </a:xfrm>
+            <a:prstGeom prst="rect">
+              <a:avLst/>
+            </a:prstGeom>
+            <a:noFill/>
+            <a:extLst>
+              <a:ext uri="{909E8E84-426E-40DD-AFC4-6F175D3DCCD1}">
+                <a14:hiddenFill xmlns:a14="http://schemas.microsoft.com/office/drawing/2010/main">
+                  <a:solidFill>
+                    <a:srgbClr val="FFFFFF"/>
+                  </a:solidFill>
+                </a14:hiddenFill>
+              </a:ext>
+            </a:extLst>
+          </p:spPr>
+        </p:pic>
+        <p:sp>
+          <p:nvSpPr>
+            <p:cNvPr id="54" name="TextBox 53">
+              <a:extLst>
+                <a:ext uri="{FF2B5EF4-FFF2-40B4-BE49-F238E27FC236}">
+                  <a16:creationId xmlns:a16="http://schemas.microsoft.com/office/drawing/2014/main" id="{593EBCC7-8A56-564E-A5C0-49EC9027AC00}"/>
+                </a:ext>
+              </a:extLst>
+            </p:cNvPr>
+            <p:cNvSpPr txBox="1"/>
+            <p:nvPr/>
+          </p:nvSpPr>
+          <p:spPr>
+            <a:xfrm>
+              <a:off x="3588559" y="4311928"/>
+              <a:ext cx="1318566" cy="307777"/>
+            </a:xfrm>
+            <a:prstGeom prst="rect">
+              <a:avLst/>
+            </a:prstGeom>
+            <a:noFill/>
+          </p:spPr>
+          <p:txBody>
+            <a:bodyPr wrap="none" rtlCol="0">
+              <a:spAutoFit/>
+            </a:bodyPr>
+            <a:lstStyle/>
+            <a:p>
+              <a:r>
+                <a:rPr lang="en-CH" sz="1400" dirty="0">
+                  <a:solidFill>
+                    <a:srgbClr val="17304F"/>
+                  </a:solidFill>
+                </a:rPr>
+                <a:t>Home Assistant</a:t>
+              </a:r>
+              <a:endParaRPr lang="en-CH" dirty="0">
+                <a:solidFill>
+                  <a:srgbClr val="17304F"/>
+                </a:solidFill>
+              </a:endParaRPr>
+            </a:p>
+          </p:txBody>
+        </p:sp>
+        <p:pic>
+          <p:nvPicPr>
+            <p:cNvPr id="34" name="Picture 6" descr="Eclipse Mosquitto MQTT Server in Cloud - Building a ...">
+              <a:extLst>
+                <a:ext uri="{FF2B5EF4-FFF2-40B4-BE49-F238E27FC236}">
+                  <a16:creationId xmlns:a16="http://schemas.microsoft.com/office/drawing/2014/main" id="{D863036E-71C7-5C44-8673-E50524A9B4EF}"/>
+                </a:ext>
+              </a:extLst>
+            </p:cNvPr>
+            <p:cNvPicPr>
+              <a:picLocks noChangeAspect="1" noChangeArrowheads="1"/>
+            </p:cNvPicPr>
+            <p:nvPr/>
+          </p:nvPicPr>
+          <p:blipFill>
+            <a:blip r:embed="rId5">
+              <a:extLst>
+                <a:ext uri="{28A0092B-C50C-407E-A947-70E740481C1C}">
+                  <a14:useLocalDpi xmlns:a14="http://schemas.microsoft.com/office/drawing/2010/main" val="0"/>
+                </a:ext>
+              </a:extLst>
+            </a:blip>
+            <a:srcRect/>
+            <a:stretch>
+              <a:fillRect/>
+            </a:stretch>
+          </p:blipFill>
+          <p:spPr bwMode="auto">
+            <a:xfrm>
+              <a:off x="5021026" y="3823484"/>
+              <a:ext cx="753086" cy="741789"/>
+            </a:xfrm>
+            <a:prstGeom prst="rect">
+              <a:avLst/>
+            </a:prstGeom>
+            <a:noFill/>
+            <a:extLst>
+              <a:ext uri="{909E8E84-426E-40DD-AFC4-6F175D3DCCD1}">
+                <a14:hiddenFill xmlns:a14="http://schemas.microsoft.com/office/drawing/2010/main">
+                  <a:solidFill>
+                    <a:srgbClr val="FFFFFF"/>
+                  </a:solidFill>
+                </a14:hiddenFill>
+              </a:ext>
+            </a:extLst>
+          </p:spPr>
+        </p:pic>
+        <p:sp>
+          <p:nvSpPr>
+            <p:cNvPr id="56" name="Rectangle 55">
+              <a:extLst>
+                <a:ext uri="{FF2B5EF4-FFF2-40B4-BE49-F238E27FC236}">
+                  <a16:creationId xmlns:a16="http://schemas.microsoft.com/office/drawing/2014/main" id="{F0A9BE35-5560-2242-B169-857DAEA53EB2}"/>
+                </a:ext>
+              </a:extLst>
+            </p:cNvPr>
+            <p:cNvSpPr/>
+            <p:nvPr/>
+          </p:nvSpPr>
+          <p:spPr>
+            <a:xfrm>
+              <a:off x="4962605" y="3754232"/>
+              <a:ext cx="838200" cy="838200"/>
+            </a:xfrm>
+            <a:prstGeom prst="rect">
+              <a:avLst/>
+            </a:prstGeom>
+            <a:noFill/>
+            <a:ln w="28575">
+              <a:solidFill>
+                <a:srgbClr val="8BBEB3"/>
+              </a:solidFill>
+            </a:ln>
+          </p:spPr>
+          <p:style>
+            <a:lnRef idx="2">
+              <a:schemeClr val="accent1">
+                <a:shade val="50000"/>
+              </a:schemeClr>
+            </a:lnRef>
+            <a:fillRef idx="1">
+              <a:schemeClr val="accent1"/>
+            </a:fillRef>
+            <a:effectRef idx="0">
+              <a:schemeClr val="accent1"/>
+            </a:effectRef>
+            <a:fontRef idx="minor">
+              <a:schemeClr val="lt1"/>
+            </a:fontRef>
+          </p:style>
+          <p:txBody>
+            <a:bodyPr rtlCol="0" anchor="ctr"/>
+            <a:lstStyle/>
+            <a:p>
+              <a:pPr algn="ctr"/>
+              <a:endParaRPr lang="en-CH"/>
+            </a:p>
+          </p:txBody>
+        </p:sp>
+        <p:pic>
+          <p:nvPicPr>
+            <p:cNvPr id="1034" name="Picture 10" descr="Logitech Media Server for Amahi">
+              <a:extLst>
+                <a:ext uri="{FF2B5EF4-FFF2-40B4-BE49-F238E27FC236}">
+                  <a16:creationId xmlns:a16="http://schemas.microsoft.com/office/drawing/2014/main" id="{54F1E8CE-7587-6E49-9C90-63182C6AA759}"/>
+                </a:ext>
+              </a:extLst>
+            </p:cNvPr>
+            <p:cNvPicPr>
+              <a:picLocks noChangeAspect="1" noChangeArrowheads="1"/>
+            </p:cNvPicPr>
+            <p:nvPr/>
+          </p:nvPicPr>
+          <p:blipFill>
+            <a:blip r:embed="rId6">
+              <a:extLst>
+                <a:ext uri="{28A0092B-C50C-407E-A947-70E740481C1C}">
+                  <a14:useLocalDpi xmlns:a14="http://schemas.microsoft.com/office/drawing/2010/main" val="0"/>
+                </a:ext>
+              </a:extLst>
+            </a:blip>
+            <a:srcRect/>
+            <a:stretch>
+              <a:fillRect/>
+            </a:stretch>
+          </p:blipFill>
+          <p:spPr bwMode="auto">
+            <a:xfrm>
+              <a:off x="6391344" y="3788689"/>
+              <a:ext cx="768253" cy="576190"/>
+            </a:xfrm>
+            <a:prstGeom prst="rect">
+              <a:avLst/>
+            </a:prstGeom>
+            <a:noFill/>
+            <a:extLst>
+              <a:ext uri="{909E8E84-426E-40DD-AFC4-6F175D3DCCD1}">
+                <a14:hiddenFill xmlns:a14="http://schemas.microsoft.com/office/drawing/2010/main">
+                  <a:solidFill>
+                    <a:srgbClr val="FFFFFF"/>
+                  </a:solidFill>
+                </a14:hiddenFill>
+              </a:ext>
+            </a:extLst>
+          </p:spPr>
+        </p:pic>
+        <p:sp>
+          <p:nvSpPr>
+            <p:cNvPr id="59" name="Rectangle 58">
+              <a:extLst>
+                <a:ext uri="{FF2B5EF4-FFF2-40B4-BE49-F238E27FC236}">
+                  <a16:creationId xmlns:a16="http://schemas.microsoft.com/office/drawing/2014/main" id="{EB9884E5-16D3-5B49-8E93-0078421F0082}"/>
+                </a:ext>
+              </a:extLst>
+            </p:cNvPr>
+            <p:cNvSpPr/>
+            <p:nvPr/>
+          </p:nvSpPr>
+          <p:spPr>
+            <a:xfrm>
+              <a:off x="7790264" y="3756269"/>
+              <a:ext cx="1278333" cy="838200"/>
+            </a:xfrm>
+            <a:prstGeom prst="rect">
+              <a:avLst/>
+            </a:prstGeom>
+            <a:noFill/>
+            <a:ln w="28575">
+              <a:solidFill>
+                <a:srgbClr val="8BBEB3"/>
+              </a:solidFill>
+            </a:ln>
+          </p:spPr>
+          <p:style>
+            <a:lnRef idx="2">
+              <a:schemeClr val="accent1">
+                <a:shade val="50000"/>
+              </a:schemeClr>
+            </a:lnRef>
+            <a:fillRef idx="1">
+              <a:schemeClr val="accent1"/>
+            </a:fillRef>
+            <a:effectRef idx="0">
+              <a:schemeClr val="accent1"/>
+            </a:effectRef>
+            <a:fontRef idx="minor">
+              <a:schemeClr val="lt1"/>
+            </a:fontRef>
+          </p:style>
+          <p:txBody>
+            <a:bodyPr rtlCol="0" anchor="ctr"/>
+            <a:lstStyle/>
+            <a:p>
+              <a:pPr algn="ctr"/>
+              <a:endParaRPr lang="en-CH"/>
+            </a:p>
+          </p:txBody>
+        </p:sp>
+        <p:pic>
+          <p:nvPicPr>
+            <p:cNvPr id="60" name="Picture 59" descr="A stop sign&#10;&#10;Description automatically generated">
+              <a:extLst>
+                <a:ext uri="{FF2B5EF4-FFF2-40B4-BE49-F238E27FC236}">
+                  <a16:creationId xmlns:a16="http://schemas.microsoft.com/office/drawing/2014/main" id="{2F5ECC9E-D48B-BB46-80C9-49382AA8025B}"/>
+                </a:ext>
+              </a:extLst>
+            </p:cNvPr>
+            <p:cNvPicPr>
+              <a:picLocks noChangeAspect="1"/>
+            </p:cNvPicPr>
+            <p:nvPr/>
+          </p:nvPicPr>
+          <p:blipFill>
+            <a:blip r:embed="rId7"/>
+            <a:stretch>
+              <a:fillRect/>
+            </a:stretch>
+          </p:blipFill>
+          <p:spPr>
+            <a:xfrm>
+              <a:off x="8188232" y="3809774"/>
+              <a:ext cx="481747" cy="525839"/>
+            </a:xfrm>
+            <a:prstGeom prst="rect">
+              <a:avLst/>
+            </a:prstGeom>
+          </p:spPr>
+        </p:pic>
+        <p:sp>
+          <p:nvSpPr>
+            <p:cNvPr id="61" name="TextBox 60">
+              <a:extLst>
+                <a:ext uri="{FF2B5EF4-FFF2-40B4-BE49-F238E27FC236}">
+                  <a16:creationId xmlns:a16="http://schemas.microsoft.com/office/drawing/2014/main" id="{8B2F1444-CD08-E244-A209-281184730862}"/>
+                </a:ext>
+              </a:extLst>
+            </p:cNvPr>
+            <p:cNvSpPr txBox="1"/>
+            <p:nvPr/>
+          </p:nvSpPr>
+          <p:spPr>
+            <a:xfrm>
+              <a:off x="7760083" y="4301491"/>
+              <a:ext cx="1364797" cy="307777"/>
+            </a:xfrm>
+            <a:prstGeom prst="rect">
+              <a:avLst/>
+            </a:prstGeom>
+            <a:noFill/>
+          </p:spPr>
+          <p:txBody>
+            <a:bodyPr wrap="none" rtlCol="0">
+              <a:spAutoFit/>
+            </a:bodyPr>
+            <a:lstStyle/>
+            <a:p>
+              <a:r>
+                <a:rPr lang="en-GB" sz="1400" dirty="0">
+                  <a:solidFill>
+                    <a:srgbClr val="17304F"/>
+                  </a:solidFill>
+                </a:rPr>
+                <a:t>W</a:t>
+              </a:r>
+              <a:r>
+                <a:rPr lang="en-CH" sz="1400" dirty="0">
+                  <a:solidFill>
+                    <a:srgbClr val="17304F"/>
+                  </a:solidFill>
+                </a:rPr>
+                <a:t>eather station</a:t>
+              </a:r>
+              <a:endParaRPr lang="en-CH" dirty="0">
+                <a:solidFill>
+                  <a:srgbClr val="17304F"/>
+                </a:solidFill>
+              </a:endParaRPr>
+            </a:p>
+          </p:txBody>
+        </p:sp>
+        <p:pic>
+          <p:nvPicPr>
+            <p:cNvPr id="26" name="Picture 25" descr="A stop sign&#10;&#10;Description automatically generated">
+              <a:extLst>
+                <a:ext uri="{FF2B5EF4-FFF2-40B4-BE49-F238E27FC236}">
+                  <a16:creationId xmlns:a16="http://schemas.microsoft.com/office/drawing/2014/main" id="{6A41C024-96D5-6A47-B7A6-047688210A17}"/>
+                </a:ext>
+              </a:extLst>
+            </p:cNvPr>
+            <p:cNvPicPr>
+              <a:picLocks noChangeAspect="1"/>
+            </p:cNvPicPr>
+            <p:nvPr/>
+          </p:nvPicPr>
+          <p:blipFill>
+            <a:blip r:embed="rId7"/>
+            <a:stretch>
+              <a:fillRect/>
+            </a:stretch>
+          </p:blipFill>
+          <p:spPr>
+            <a:xfrm>
+              <a:off x="2846529" y="3808764"/>
+              <a:ext cx="481747" cy="525839"/>
+            </a:xfrm>
+            <a:prstGeom prst="rect">
+              <a:avLst/>
+            </a:prstGeom>
+          </p:spPr>
+        </p:pic>
+      </p:grpSp>
+      <p:pic>
+        <p:nvPicPr>
+          <p:cNvPr id="15" name="Picture 14" descr="Icon&#10;&#10;Description automatically generated">
+            <a:extLst>
+              <a:ext uri="{FF2B5EF4-FFF2-40B4-BE49-F238E27FC236}">
+                <a16:creationId xmlns:a16="http://schemas.microsoft.com/office/drawing/2014/main" id="{CB694AC3-85D9-8941-B271-E706325C6B98}"/>
+              </a:ext>
+            </a:extLst>
+          </p:cNvPr>
+          <p:cNvPicPr>
+            <a:picLocks noChangeAspect="1"/>
+          </p:cNvPicPr>
+          <p:nvPr/>
+        </p:nvPicPr>
+        <p:blipFill>
+          <a:blip r:embed="rId8"/>
+          <a:stretch>
+            <a:fillRect/>
+          </a:stretch>
+        </p:blipFill>
+        <p:spPr>
+          <a:xfrm>
+            <a:off x="3853651" y="4664520"/>
+            <a:ext cx="828104" cy="701588"/>
+          </a:xfrm>
+          <a:prstGeom prst="rect">
+            <a:avLst/>
+          </a:prstGeom>
+        </p:spPr>
+      </p:pic>
+      <p:pic>
+        <p:nvPicPr>
+          <p:cNvPr id="48" name="Picture 47" descr="Icon&#10;&#10;Description automatically generated">
+            <a:extLst>
+              <a:ext uri="{FF2B5EF4-FFF2-40B4-BE49-F238E27FC236}">
+                <a16:creationId xmlns:a16="http://schemas.microsoft.com/office/drawing/2014/main" id="{76A5DBF0-1563-DB45-B828-B6C8DCBEC5B1}"/>
+              </a:ext>
+            </a:extLst>
+          </p:cNvPr>
+          <p:cNvPicPr>
+            <a:picLocks noChangeAspect="1"/>
+          </p:cNvPicPr>
+          <p:nvPr/>
+        </p:nvPicPr>
+        <p:blipFill>
+          <a:blip r:embed="rId8"/>
+          <a:stretch>
+            <a:fillRect/>
+          </a:stretch>
+        </p:blipFill>
+        <p:spPr>
+          <a:xfrm>
+            <a:off x="6190115" y="4664520"/>
+            <a:ext cx="828104" cy="701588"/>
+          </a:xfrm>
+          <a:prstGeom prst="rect">
+            <a:avLst/>
+          </a:prstGeom>
+        </p:spPr>
+      </p:pic>
+      <p:cxnSp>
+        <p:nvCxnSpPr>
+          <p:cNvPr id="55" name="Elbow Connector 54">
+            <a:extLst>
+              <a:ext uri="{FF2B5EF4-FFF2-40B4-BE49-F238E27FC236}">
+                <a16:creationId xmlns:a16="http://schemas.microsoft.com/office/drawing/2014/main" id="{4088C5D4-F2E8-BA42-8E3E-B9A13A122AFB}"/>
+              </a:ext>
+            </a:extLst>
+          </p:cNvPr>
+          <p:cNvCxnSpPr>
+            <a:stCxn id="39" idx="3"/>
+            <a:endCxn id="5" idx="2"/>
+          </p:cNvCxnSpPr>
+          <p:nvPr/>
+        </p:nvCxnSpPr>
+        <p:spPr>
+          <a:xfrm rot="5400000" flipH="1" flipV="1">
+            <a:off x="3337665" y="4195448"/>
+            <a:ext cx="242619" cy="2790611"/>
+          </a:xfrm>
+          <a:prstGeom prst="bentConnector3">
+            <a:avLst>
+              <a:gd name="adj1" fmla="val -94222"/>
+            </a:avLst>
+          </a:prstGeom>
+          <a:ln>
+            <a:solidFill>
+              <a:srgbClr val="6798BF"/>
+            </a:solidFill>
+            <a:tailEnd type="triangle"/>
+          </a:ln>
+        </p:spPr>
+        <p:style>
+          <a:lnRef idx="1">
+            <a:schemeClr val="accent1"/>
+          </a:lnRef>
+          <a:fillRef idx="0">
+            <a:schemeClr val="accent1"/>
+          </a:fillRef>
+          <a:effectRef idx="0">
+            <a:schemeClr val="accent1"/>
+          </a:effectRef>
+          <a:fontRef idx="minor">
+            <a:schemeClr val="tx1"/>
+          </a:fontRef>
+        </p:style>
+      </p:cxnSp>
+      <p:cxnSp>
+        <p:nvCxnSpPr>
+          <p:cNvPr id="65" name="Elbow Connector 64">
+            <a:extLst>
+              <a:ext uri="{FF2B5EF4-FFF2-40B4-BE49-F238E27FC236}">
+                <a16:creationId xmlns:a16="http://schemas.microsoft.com/office/drawing/2014/main" id="{00673085-9515-FC47-ACF1-16CC540E10F7}"/>
+              </a:ext>
+            </a:extLst>
+          </p:cNvPr>
+          <p:cNvCxnSpPr>
+            <a:cxnSpLocks/>
+            <a:stCxn id="39" idx="3"/>
+            <a:endCxn id="37" idx="2"/>
+          </p:cNvCxnSpPr>
+          <p:nvPr/>
+        </p:nvCxnSpPr>
+        <p:spPr>
+          <a:xfrm rot="5400000" flipH="1" flipV="1">
+            <a:off x="4511856" y="3021258"/>
+            <a:ext cx="242619" cy="5138992"/>
+          </a:xfrm>
+          <a:prstGeom prst="bentConnector3">
+            <a:avLst>
+              <a:gd name="adj1" fmla="val -94222"/>
+            </a:avLst>
+          </a:prstGeom>
+          <a:ln>
+            <a:solidFill>
+              <a:srgbClr val="6798BF"/>
+            </a:solidFill>
+            <a:tailEnd type="triangle"/>
+          </a:ln>
+        </p:spPr>
+        <p:style>
+          <a:lnRef idx="1">
+            <a:schemeClr val="accent1"/>
+          </a:lnRef>
+          <a:fillRef idx="0">
+            <a:schemeClr val="accent1"/>
+          </a:fillRef>
+          <a:effectRef idx="0">
+            <a:schemeClr val="accent1"/>
+          </a:effectRef>
+          <a:fontRef idx="minor">
+            <a:schemeClr val="tx1"/>
+          </a:fontRef>
+        </p:style>
+      </p:cxnSp>
+      <p:sp>
+        <p:nvSpPr>
+          <p:cNvPr id="6" name="Bent Arrow 5">
+            <a:extLst>
+              <a:ext uri="{FF2B5EF4-FFF2-40B4-BE49-F238E27FC236}">
+                <a16:creationId xmlns:a16="http://schemas.microsoft.com/office/drawing/2014/main" id="{5B6AF4D6-C11C-C94E-BC00-7643C8A4D6CC}"/>
+              </a:ext>
+            </a:extLst>
+          </p:cNvPr>
+          <p:cNvSpPr/>
+          <p:nvPr/>
+        </p:nvSpPr>
+        <p:spPr>
+          <a:xfrm rot="16200000">
+            <a:off x="6046168" y="4469913"/>
+            <a:ext cx="700981" cy="2827217"/>
+          </a:xfrm>
+          <a:prstGeom prst="bentArrow">
+            <a:avLst>
+              <a:gd name="adj1" fmla="val 21904"/>
+              <a:gd name="adj2" fmla="val 19581"/>
+              <a:gd name="adj3" fmla="val 21904"/>
+              <a:gd name="adj4" fmla="val 39106"/>
+            </a:avLst>
+          </a:prstGeom>
+          <a:solidFill>
+            <a:srgbClr val="6798BF"/>
+          </a:solidFill>
+          <a:ln>
+            <a:solidFill>
+              <a:srgbClr val="6798BF"/>
+            </a:solidFill>
+          </a:ln>
+        </p:spPr>
+        <p:style>
+          <a:lnRef idx="2">
+            <a:schemeClr val="accent1">
+              <a:shade val="50000"/>
+            </a:schemeClr>
+          </a:lnRef>
+          <a:fillRef idx="1">
+            <a:schemeClr val="accent1"/>
+          </a:fillRef>
+          <a:effectRef idx="0">
+            <a:schemeClr val="accent1"/>
+          </a:effectRef>
+          <a:fontRef idx="minor">
+            <a:schemeClr val="lt1"/>
+          </a:fontRef>
+        </p:style>
+        <p:txBody>
+          <a:bodyPr rtlCol="0" anchor="ctr"/>
+          <a:lstStyle/>
+          <a:p>
+            <a:pPr algn="ctr"/>
+            <a:endParaRPr lang="en-CH">
+              <a:solidFill>
+                <a:schemeClr val="tx1"/>
+              </a:solidFill>
+            </a:endParaRPr>
+          </a:p>
+        </p:txBody>
+      </p:sp>
+      <p:cxnSp>
+        <p:nvCxnSpPr>
+          <p:cNvPr id="91" name="Curved Connector 90">
+            <a:extLst>
+              <a:ext uri="{FF2B5EF4-FFF2-40B4-BE49-F238E27FC236}">
+                <a16:creationId xmlns:a16="http://schemas.microsoft.com/office/drawing/2014/main" id="{1D119903-B9B7-624F-BE9A-C677CB56FA35}"/>
+              </a:ext>
+            </a:extLst>
+          </p:cNvPr>
+          <p:cNvCxnSpPr>
+            <a:cxnSpLocks/>
+            <a:stCxn id="110" idx="3"/>
+          </p:cNvCxnSpPr>
+          <p:nvPr/>
+        </p:nvCxnSpPr>
+        <p:spPr>
+          <a:xfrm>
+            <a:off x="3409114" y="1144305"/>
+            <a:ext cx="1046997" cy="2512736"/>
+          </a:xfrm>
+          <a:prstGeom prst="curvedConnector2">
+            <a:avLst/>
+          </a:prstGeom>
+          <a:ln>
+            <a:solidFill>
+              <a:srgbClr val="6798BF"/>
+            </a:solidFill>
+            <a:tailEnd type="triangle"/>
+          </a:ln>
+        </p:spPr>
+        <p:style>
+          <a:lnRef idx="1">
+            <a:schemeClr val="accent1"/>
+          </a:lnRef>
+          <a:fillRef idx="0">
+            <a:schemeClr val="accent1"/>
+          </a:fillRef>
+          <a:effectRef idx="0">
+            <a:schemeClr val="accent1"/>
+          </a:effectRef>
+          <a:fontRef idx="minor">
+            <a:schemeClr val="tx1"/>
+          </a:fontRef>
+        </p:style>
+      </p:cxnSp>
+      <p:sp>
+        <p:nvSpPr>
+          <p:cNvPr id="93" name="Up Arrow 92">
+            <a:extLst>
+              <a:ext uri="{FF2B5EF4-FFF2-40B4-BE49-F238E27FC236}">
+                <a16:creationId xmlns:a16="http://schemas.microsoft.com/office/drawing/2014/main" id="{1A514845-1BFA-E94E-9587-37A3685DC864}"/>
+              </a:ext>
+            </a:extLst>
+          </p:cNvPr>
+          <p:cNvSpPr/>
+          <p:nvPr/>
+        </p:nvSpPr>
+        <p:spPr>
+          <a:xfrm rot="4309053">
+            <a:off x="1732730" y="1006780"/>
+            <a:ext cx="350908" cy="661036"/>
+          </a:xfrm>
+          <a:prstGeom prst="upArrow">
+            <a:avLst/>
+          </a:prstGeom>
+          <a:solidFill>
+            <a:srgbClr val="6798BF"/>
+          </a:solidFill>
+          <a:ln>
+            <a:solidFill>
+              <a:srgbClr val="6798BF"/>
+            </a:solidFill>
+          </a:ln>
+        </p:spPr>
+        <p:style>
+          <a:lnRef idx="2">
+            <a:schemeClr val="accent1">
+              <a:shade val="50000"/>
+            </a:schemeClr>
+          </a:lnRef>
+          <a:fillRef idx="1">
+            <a:schemeClr val="accent1"/>
+          </a:fillRef>
+          <a:effectRef idx="0">
+            <a:schemeClr val="accent1"/>
+          </a:effectRef>
+          <a:fontRef idx="minor">
+            <a:schemeClr val="lt1"/>
+          </a:fontRef>
+        </p:style>
+        <p:txBody>
+          <a:bodyPr rtlCol="0" anchor="ctr"/>
+          <a:lstStyle/>
+          <a:p>
+            <a:pPr algn="ctr"/>
+            <a:endParaRPr lang="en-CH">
+              <a:solidFill>
+                <a:schemeClr val="tx1"/>
+              </a:solidFill>
+            </a:endParaRPr>
+          </a:p>
+        </p:txBody>
+      </p:sp>
+      <p:sp>
+        <p:nvSpPr>
+          <p:cNvPr id="101" name="Up Arrow 100">
+            <a:extLst>
+              <a:ext uri="{FF2B5EF4-FFF2-40B4-BE49-F238E27FC236}">
+                <a16:creationId xmlns:a16="http://schemas.microsoft.com/office/drawing/2014/main" id="{11EC66CC-45DB-7244-A4C8-18A4D29E83CA}"/>
+              </a:ext>
+            </a:extLst>
+          </p:cNvPr>
+          <p:cNvSpPr/>
+          <p:nvPr/>
+        </p:nvSpPr>
+        <p:spPr>
+          <a:xfrm rot="6682742">
+            <a:off x="1735701" y="1748125"/>
+            <a:ext cx="350908" cy="661036"/>
+          </a:xfrm>
+          <a:prstGeom prst="upArrow">
+            <a:avLst/>
+          </a:prstGeom>
+          <a:solidFill>
+            <a:srgbClr val="6798BF"/>
+          </a:solidFill>
+          <a:ln>
+            <a:solidFill>
+              <a:srgbClr val="6798BF"/>
+            </a:solidFill>
+          </a:ln>
+        </p:spPr>
+        <p:style>
+          <a:lnRef idx="2">
+            <a:schemeClr val="accent1">
+              <a:shade val="50000"/>
+            </a:schemeClr>
+          </a:lnRef>
+          <a:fillRef idx="1">
+            <a:schemeClr val="accent1"/>
+          </a:fillRef>
+          <a:effectRef idx="0">
+            <a:schemeClr val="accent1"/>
+          </a:effectRef>
+          <a:fontRef idx="minor">
+            <a:schemeClr val="lt1"/>
+          </a:fontRef>
+        </p:style>
+        <p:txBody>
+          <a:bodyPr rtlCol="0" anchor="ctr"/>
+          <a:lstStyle/>
+          <a:p>
+            <a:pPr algn="ctr"/>
+            <a:endParaRPr lang="en-CH">
+              <a:solidFill>
+                <a:schemeClr val="tx1"/>
+              </a:solidFill>
+            </a:endParaRPr>
+          </a:p>
+        </p:txBody>
+      </p:sp>
+      <p:pic>
+        <p:nvPicPr>
+          <p:cNvPr id="102" name="Picture 101" descr="A picture containing shape&#10;&#10;Description automatically generated">
+            <a:extLst>
+              <a:ext uri="{FF2B5EF4-FFF2-40B4-BE49-F238E27FC236}">
+                <a16:creationId xmlns:a16="http://schemas.microsoft.com/office/drawing/2014/main" id="{36B55BDA-7B29-4048-8E7D-4FA61D1D2755}"/>
+              </a:ext>
+            </a:extLst>
+          </p:cNvPr>
+          <p:cNvPicPr>
+            <a:picLocks noChangeAspect="1"/>
+          </p:cNvPicPr>
+          <p:nvPr/>
+        </p:nvPicPr>
+        <p:blipFill>
+          <a:blip r:embed="rId9"/>
+          <a:stretch>
+            <a:fillRect/>
+          </a:stretch>
+        </p:blipFill>
+        <p:spPr>
+          <a:xfrm>
+            <a:off x="6458364" y="367731"/>
+            <a:ext cx="516852" cy="516852"/>
+          </a:xfrm>
+          <a:prstGeom prst="rect">
+            <a:avLst/>
+          </a:prstGeom>
+        </p:spPr>
+      </p:pic>
+      <p:pic>
+        <p:nvPicPr>
+          <p:cNvPr id="104" name="Picture 103" descr="Icon&#10;&#10;Description automatically generated">
+            <a:extLst>
+              <a:ext uri="{FF2B5EF4-FFF2-40B4-BE49-F238E27FC236}">
+                <a16:creationId xmlns:a16="http://schemas.microsoft.com/office/drawing/2014/main" id="{C55F94A4-1505-354C-BA0F-78AB210C73F2}"/>
+              </a:ext>
+            </a:extLst>
+          </p:cNvPr>
+          <p:cNvPicPr>
+            <a:picLocks noChangeAspect="1"/>
+          </p:cNvPicPr>
+          <p:nvPr/>
+        </p:nvPicPr>
+        <p:blipFill>
+          <a:blip r:embed="rId10"/>
+          <a:stretch>
+            <a:fillRect/>
+          </a:stretch>
+        </p:blipFill>
+        <p:spPr>
+          <a:xfrm>
+            <a:off x="5538473" y="788669"/>
+            <a:ext cx="537606" cy="537606"/>
+          </a:xfrm>
+          <a:prstGeom prst="rect">
+            <a:avLst/>
+          </a:prstGeom>
+        </p:spPr>
+      </p:pic>
+      <p:pic>
+        <p:nvPicPr>
+          <p:cNvPr id="106" name="Picture 105" descr="A picture containing shape&#10;&#10;Description automatically generated">
+            <a:extLst>
+              <a:ext uri="{FF2B5EF4-FFF2-40B4-BE49-F238E27FC236}">
+                <a16:creationId xmlns:a16="http://schemas.microsoft.com/office/drawing/2014/main" id="{EC9DFA58-1DCC-9344-A4CD-F14FCF75B794}"/>
+              </a:ext>
+            </a:extLst>
+          </p:cNvPr>
+          <p:cNvPicPr>
+            <a:picLocks noChangeAspect="1"/>
+          </p:cNvPicPr>
+          <p:nvPr/>
+        </p:nvPicPr>
+        <p:blipFill>
+          <a:blip r:embed="rId11"/>
+          <a:stretch>
+            <a:fillRect/>
+          </a:stretch>
+        </p:blipFill>
+        <p:spPr>
+          <a:xfrm>
+            <a:off x="7442281" y="791267"/>
+            <a:ext cx="543290" cy="543290"/>
+          </a:xfrm>
+          <a:prstGeom prst="rect">
+            <a:avLst/>
+          </a:prstGeom>
+        </p:spPr>
+      </p:pic>
+      <p:pic>
+        <p:nvPicPr>
+          <p:cNvPr id="108" name="Picture 107" descr="A picture containing shape&#10;&#10;Description automatically generated">
+            <a:extLst>
+              <a:ext uri="{FF2B5EF4-FFF2-40B4-BE49-F238E27FC236}">
+                <a16:creationId xmlns:a16="http://schemas.microsoft.com/office/drawing/2014/main" id="{9917BBCD-7C19-5E48-B911-AC0D2D14887D}"/>
+              </a:ext>
+            </a:extLst>
+          </p:cNvPr>
+          <p:cNvPicPr>
+            <a:picLocks noChangeAspect="1"/>
+          </p:cNvPicPr>
+          <p:nvPr/>
+        </p:nvPicPr>
+        <p:blipFill>
+          <a:blip r:embed="rId12"/>
+          <a:stretch>
+            <a:fillRect/>
+          </a:stretch>
+        </p:blipFill>
+        <p:spPr>
+          <a:xfrm>
+            <a:off x="7831216" y="1669624"/>
+            <a:ext cx="616855" cy="616855"/>
+          </a:xfrm>
+          <a:prstGeom prst="rect">
+            <a:avLst/>
+          </a:prstGeom>
+        </p:spPr>
+      </p:pic>
+      <p:pic>
+        <p:nvPicPr>
+          <p:cNvPr id="110" name="Picture 109" descr="A picture containing shape&#10;&#10;Description automatically generated">
+            <a:extLst>
+              <a:ext uri="{FF2B5EF4-FFF2-40B4-BE49-F238E27FC236}">
+                <a16:creationId xmlns:a16="http://schemas.microsoft.com/office/drawing/2014/main" id="{33158E9D-5478-6846-9010-C9E8718FA4B6}"/>
+              </a:ext>
+            </a:extLst>
+          </p:cNvPr>
+          <p:cNvPicPr>
+            <a:picLocks noChangeAspect="1"/>
+          </p:cNvPicPr>
+          <p:nvPr/>
+        </p:nvPicPr>
+        <p:blipFill>
+          <a:blip r:embed="rId13"/>
+          <a:stretch>
+            <a:fillRect/>
+          </a:stretch>
+        </p:blipFill>
+        <p:spPr>
+          <a:xfrm>
+            <a:off x="2415354" y="647425"/>
+            <a:ext cx="993760" cy="993760"/>
+          </a:xfrm>
+          <a:prstGeom prst="rect">
+            <a:avLst/>
+          </a:prstGeom>
+        </p:spPr>
+      </p:pic>
+      <p:pic>
+        <p:nvPicPr>
+          <p:cNvPr id="114" name="Picture 113" descr="A picture containing shape&#10;&#10;Description automatically generated">
+            <a:extLst>
+              <a:ext uri="{FF2B5EF4-FFF2-40B4-BE49-F238E27FC236}">
+                <a16:creationId xmlns:a16="http://schemas.microsoft.com/office/drawing/2014/main" id="{6DC02097-7E05-674F-8BB0-EFD855DCF88C}"/>
+              </a:ext>
+            </a:extLst>
+          </p:cNvPr>
+          <p:cNvPicPr>
+            <a:picLocks noChangeAspect="1"/>
+          </p:cNvPicPr>
+          <p:nvPr/>
+        </p:nvPicPr>
+        <p:blipFill>
+          <a:blip r:embed="rId14"/>
+          <a:stretch>
+            <a:fillRect/>
+          </a:stretch>
+        </p:blipFill>
+        <p:spPr>
+          <a:xfrm>
+            <a:off x="2429847" y="1853561"/>
+            <a:ext cx="887343" cy="887343"/>
+          </a:xfrm>
+          <a:prstGeom prst="rect">
+            <a:avLst/>
+          </a:prstGeom>
+        </p:spPr>
+      </p:pic>
+      <p:pic>
+        <p:nvPicPr>
+          <p:cNvPr id="116" name="Picture 115" descr="A picture containing shape&#10;&#10;Description automatically generated">
+            <a:extLst>
+              <a:ext uri="{FF2B5EF4-FFF2-40B4-BE49-F238E27FC236}">
+                <a16:creationId xmlns:a16="http://schemas.microsoft.com/office/drawing/2014/main" id="{2F96314B-046D-D044-BD12-375663836888}"/>
+              </a:ext>
+            </a:extLst>
+          </p:cNvPr>
+          <p:cNvPicPr>
+            <a:picLocks noChangeAspect="1"/>
+          </p:cNvPicPr>
+          <p:nvPr/>
+        </p:nvPicPr>
+        <p:blipFill>
+          <a:blip r:embed="rId15"/>
+          <a:stretch>
+            <a:fillRect/>
+          </a:stretch>
+        </p:blipFill>
+        <p:spPr>
+          <a:xfrm>
+            <a:off x="1144915" y="2871894"/>
+            <a:ext cx="1167336" cy="1167336"/>
+          </a:xfrm>
+          <a:prstGeom prst="rect">
+            <a:avLst/>
+          </a:prstGeom>
+        </p:spPr>
+      </p:pic>
+      <p:sp>
+        <p:nvSpPr>
+          <p:cNvPr id="126" name="TextBox 125">
+            <a:extLst>
+              <a:ext uri="{FF2B5EF4-FFF2-40B4-BE49-F238E27FC236}">
+                <a16:creationId xmlns:a16="http://schemas.microsoft.com/office/drawing/2014/main" id="{8ED2A58B-B1B4-3342-88D4-4AB27D18F552}"/>
+              </a:ext>
+            </a:extLst>
+          </p:cNvPr>
+          <p:cNvSpPr txBox="1"/>
+          <p:nvPr/>
+        </p:nvSpPr>
+        <p:spPr>
+          <a:xfrm>
+            <a:off x="986511" y="3747893"/>
+            <a:ext cx="1465466" cy="307777"/>
+          </a:xfrm>
+          <a:prstGeom prst="rect">
+            <a:avLst/>
+          </a:prstGeom>
+          <a:noFill/>
+        </p:spPr>
+        <p:txBody>
+          <a:bodyPr wrap="none" rtlCol="0">
+            <a:spAutoFit/>
+          </a:bodyPr>
+          <a:lstStyle/>
+          <a:p>
+            <a:r>
+              <a:rPr lang="en-CH" sz="1400" dirty="0">
+                <a:solidFill>
+                  <a:srgbClr val="17304F"/>
+                </a:solidFill>
+              </a:rPr>
+              <a:t>AWS Web Service</a:t>
+            </a:r>
+            <a:endParaRPr lang="en-CH" dirty="0">
+              <a:solidFill>
+                <a:srgbClr val="17304F"/>
+              </a:solidFill>
+            </a:endParaRPr>
+          </a:p>
+        </p:txBody>
+      </p:sp>
+      <p:sp>
+        <p:nvSpPr>
+          <p:cNvPr id="125" name="Freeform 124">
+            <a:extLst>
+              <a:ext uri="{FF2B5EF4-FFF2-40B4-BE49-F238E27FC236}">
+                <a16:creationId xmlns:a16="http://schemas.microsoft.com/office/drawing/2014/main" id="{36197147-9F6F-2C43-B92E-CC93CCD6BCB9}"/>
+              </a:ext>
+            </a:extLst>
+          </p:cNvPr>
+          <p:cNvSpPr/>
+          <p:nvPr/>
+        </p:nvSpPr>
+        <p:spPr>
+          <a:xfrm>
+            <a:off x="1787237" y="2457345"/>
+            <a:ext cx="1776846" cy="659928"/>
+          </a:xfrm>
+          <a:custGeom>
+            <a:avLst/>
+            <a:gdLst>
+              <a:gd name="connsiteX0" fmla="*/ 1672937 w 1865811"/>
+              <a:gd name="connsiteY0" fmla="*/ 0 h 675409"/>
+              <a:gd name="connsiteX1" fmla="*/ 1808019 w 1865811"/>
+              <a:gd name="connsiteY1" fmla="*/ 509154 h 675409"/>
+              <a:gd name="connsiteX2" fmla="*/ 841664 w 1865811"/>
+              <a:gd name="connsiteY2" fmla="*/ 550718 h 675409"/>
+              <a:gd name="connsiteX3" fmla="*/ 290946 w 1865811"/>
+              <a:gd name="connsiteY3" fmla="*/ 477981 h 675409"/>
+              <a:gd name="connsiteX4" fmla="*/ 0 w 1865811"/>
+              <a:gd name="connsiteY4" fmla="*/ 675409 h 675409"/>
+            </a:gdLst>
+            <a:ahLst/>
+            <a:cxnLst>
+              <a:cxn ang="0">
+                <a:pos x="connsiteX0" y="connsiteY0"/>
+              </a:cxn>
+              <a:cxn ang="0">
+                <a:pos x="connsiteX1" y="connsiteY1"/>
+              </a:cxn>
+              <a:cxn ang="0">
+                <a:pos x="connsiteX2" y="connsiteY2"/>
+              </a:cxn>
+              <a:cxn ang="0">
+                <a:pos x="connsiteX3" y="connsiteY3"/>
+              </a:cxn>
+              <a:cxn ang="0">
+                <a:pos x="connsiteX4" y="connsiteY4"/>
+              </a:cxn>
+            </a:cxnLst>
+            <a:rect l="l" t="t" r="r" b="b"/>
+            <a:pathLst>
+              <a:path w="1865811" h="675409">
+                <a:moveTo>
+                  <a:pt x="1672937" y="0"/>
+                </a:moveTo>
+                <a:cubicBezTo>
+                  <a:pt x="1809750" y="208684"/>
+                  <a:pt x="1946564" y="417368"/>
+                  <a:pt x="1808019" y="509154"/>
+                </a:cubicBezTo>
+                <a:cubicBezTo>
+                  <a:pt x="1669474" y="600940"/>
+                  <a:pt x="1094509" y="555913"/>
+                  <a:pt x="841664" y="550718"/>
+                </a:cubicBezTo>
+                <a:cubicBezTo>
+                  <a:pt x="588819" y="545523"/>
+                  <a:pt x="431223" y="457199"/>
+                  <a:pt x="290946" y="477981"/>
+                </a:cubicBezTo>
+                <a:cubicBezTo>
+                  <a:pt x="150669" y="498763"/>
+                  <a:pt x="75334" y="587086"/>
+                  <a:pt x="0" y="675409"/>
+                </a:cubicBezTo>
+              </a:path>
+            </a:pathLst>
+          </a:custGeom>
+          <a:ln>
+            <a:solidFill>
+              <a:srgbClr val="6798BF"/>
+            </a:solidFill>
+            <a:tailEnd type="triangle"/>
+          </a:ln>
+        </p:spPr>
+        <p:style>
+          <a:lnRef idx="1">
+            <a:schemeClr val="accent1"/>
+          </a:lnRef>
+          <a:fillRef idx="0">
+            <a:schemeClr val="accent1"/>
+          </a:fillRef>
+          <a:effectRef idx="0">
+            <a:schemeClr val="accent1"/>
+          </a:effectRef>
+          <a:fontRef idx="minor">
+            <a:schemeClr val="tx1"/>
+          </a:fontRef>
+        </p:style>
+        <p:txBody>
+          <a:bodyPr rtlCol="0" anchor="ctr"/>
+          <a:lstStyle/>
+          <a:p>
+            <a:pPr algn="ctr"/>
+            <a:endParaRPr lang="en-CH"/>
+          </a:p>
+        </p:txBody>
+      </p:sp>
+      <p:pic>
+        <p:nvPicPr>
+          <p:cNvPr id="1024" name="Picture 1023" descr="A picture containing shape&#10;&#10;Description automatically generated">
+            <a:extLst>
+              <a:ext uri="{FF2B5EF4-FFF2-40B4-BE49-F238E27FC236}">
+                <a16:creationId xmlns:a16="http://schemas.microsoft.com/office/drawing/2014/main" id="{AFC13DAB-207F-1142-9F34-AA79ABC1BACC}"/>
+              </a:ext>
+            </a:extLst>
+          </p:cNvPr>
+          <p:cNvPicPr>
+            <a:picLocks noChangeAspect="1"/>
+          </p:cNvPicPr>
+          <p:nvPr/>
+        </p:nvPicPr>
+        <p:blipFill>
+          <a:blip r:embed="rId16"/>
+          <a:stretch>
+            <a:fillRect/>
+          </a:stretch>
+        </p:blipFill>
+        <p:spPr>
+          <a:xfrm>
+            <a:off x="7411108" y="2652384"/>
+            <a:ext cx="616855" cy="616855"/>
+          </a:xfrm>
+          <a:prstGeom prst="rect">
+            <a:avLst/>
+          </a:prstGeom>
+        </p:spPr>
+      </p:pic>
+      <p:pic>
+        <p:nvPicPr>
+          <p:cNvPr id="138" name="Picture 4" descr="HASSio Setup | Set up Home Assistant with a Raspberry Pi ...">
+            <a:extLst>
+              <a:ext uri="{FF2B5EF4-FFF2-40B4-BE49-F238E27FC236}">
+                <a16:creationId xmlns:a16="http://schemas.microsoft.com/office/drawing/2014/main" id="{D14DA18F-3CEA-DF41-AA4D-1B99CA34D55A}"/>
+              </a:ext>
+            </a:extLst>
+          </p:cNvPr>
+          <p:cNvPicPr>
+            <a:picLocks noChangeAspect="1" noChangeArrowheads="1"/>
+          </p:cNvPicPr>
+          <p:nvPr/>
+        </p:nvPicPr>
+        <p:blipFill>
+          <a:blip r:embed="rId4">
+            <a:extLst>
+              <a:ext uri="{28A0092B-C50C-407E-A947-70E740481C1C}">
+                <a14:useLocalDpi xmlns:a14="http://schemas.microsoft.com/office/drawing/2010/main" val="0"/>
+              </a:ext>
+            </a:extLst>
+          </a:blip>
+          <a:srcRect/>
+          <a:stretch>
+            <a:fillRect/>
+          </a:stretch>
+        </p:blipFill>
+        <p:spPr bwMode="auto">
+          <a:xfrm>
+            <a:off x="6426780" y="1582922"/>
+            <a:ext cx="591387" cy="591387"/>
+          </a:xfrm>
+          <a:prstGeom prst="rect">
+            <a:avLst/>
+          </a:prstGeom>
+          <a:noFill/>
+          <a:extLst>
+            <a:ext uri="{909E8E84-426E-40DD-AFC4-6F175D3DCCD1}">
+              <a14:hiddenFill xmlns:a14="http://schemas.microsoft.com/office/drawing/2010/main">
+                <a:solidFill>
+                  <a:srgbClr val="FFFFFF"/>
+                </a:solidFill>
+              </a14:hiddenFill>
+            </a:ext>
+          </a:extLst>
+        </p:spPr>
+      </p:pic>
+      <p:sp>
+        <p:nvSpPr>
+          <p:cNvPr id="1025" name="Oval 1024">
+            <a:extLst>
+              <a:ext uri="{FF2B5EF4-FFF2-40B4-BE49-F238E27FC236}">
+                <a16:creationId xmlns:a16="http://schemas.microsoft.com/office/drawing/2014/main" id="{B0B3FFBE-1BF2-AD4B-B410-EFED73FF932F}"/>
+              </a:ext>
+            </a:extLst>
+          </p:cNvPr>
+          <p:cNvSpPr/>
+          <p:nvPr/>
+        </p:nvSpPr>
+        <p:spPr>
+          <a:xfrm>
+            <a:off x="6003414" y="1184750"/>
+            <a:ext cx="1415966" cy="1415966"/>
+          </a:xfrm>
+          <a:prstGeom prst="ellipse">
+            <a:avLst/>
+          </a:prstGeom>
+          <a:noFill/>
+          <a:ln w="38100">
+            <a:solidFill>
+              <a:srgbClr val="8BBEB3"/>
+            </a:solidFill>
+          </a:ln>
+        </p:spPr>
+        <p:style>
+          <a:lnRef idx="2">
+            <a:schemeClr val="accent1">
+              <a:shade val="50000"/>
+            </a:schemeClr>
+          </a:lnRef>
+          <a:fillRef idx="1">
+            <a:schemeClr val="accent1"/>
+          </a:fillRef>
+          <a:effectRef idx="0">
+            <a:schemeClr val="accent1"/>
+          </a:effectRef>
+          <a:fontRef idx="minor">
+            <a:schemeClr val="lt1"/>
+          </a:fontRef>
+        </p:style>
+        <p:txBody>
+          <a:bodyPr rtlCol="0" anchor="ctr"/>
+          <a:lstStyle/>
+          <a:p>
+            <a:pPr algn="ctr"/>
+            <a:endParaRPr lang="en-CH"/>
+          </a:p>
+        </p:txBody>
+      </p:sp>
+      <p:sp>
+        <p:nvSpPr>
+          <p:cNvPr id="141" name="TextBox 140">
+            <a:extLst>
+              <a:ext uri="{FF2B5EF4-FFF2-40B4-BE49-F238E27FC236}">
+                <a16:creationId xmlns:a16="http://schemas.microsoft.com/office/drawing/2014/main" id="{B4DCD73C-FAF8-0A44-9D0A-355074A640DF}"/>
+              </a:ext>
+            </a:extLst>
+          </p:cNvPr>
+          <p:cNvSpPr txBox="1"/>
+          <p:nvPr/>
+        </p:nvSpPr>
+        <p:spPr>
+          <a:xfrm>
+            <a:off x="8029078" y="2976355"/>
+            <a:ext cx="837986" cy="523220"/>
+          </a:xfrm>
+          <a:prstGeom prst="rect">
+            <a:avLst/>
+          </a:prstGeom>
+          <a:noFill/>
+        </p:spPr>
+        <p:txBody>
+          <a:bodyPr wrap="none" rtlCol="0">
+            <a:spAutoFit/>
+          </a:bodyPr>
+          <a:lstStyle/>
+          <a:p>
+            <a:r>
+              <a:rPr lang="de-CH" sz="1400" dirty="0" err="1">
+                <a:solidFill>
+                  <a:srgbClr val="17304F"/>
+                </a:solidFill>
+              </a:rPr>
+              <a:t>Window</a:t>
+            </a:r>
+            <a:r>
+              <a:rPr lang="de-CH" sz="1400" dirty="0">
+                <a:solidFill>
+                  <a:srgbClr val="17304F"/>
+                </a:solidFill>
+              </a:rPr>
+              <a:t> </a:t>
+            </a:r>
+            <a:br>
+              <a:rPr lang="de-CH" sz="1400" dirty="0">
+                <a:solidFill>
+                  <a:srgbClr val="17304F"/>
+                </a:solidFill>
+              </a:rPr>
+            </a:br>
+            <a:r>
+              <a:rPr lang="de-CH" sz="1400" dirty="0" err="1">
+                <a:solidFill>
+                  <a:srgbClr val="17304F"/>
+                </a:solidFill>
+              </a:rPr>
+              <a:t>blinds</a:t>
+            </a:r>
+            <a:endParaRPr lang="en-CH" dirty="0">
+              <a:solidFill>
+                <a:srgbClr val="17304F"/>
+              </a:solidFill>
+            </a:endParaRPr>
+          </a:p>
+        </p:txBody>
+      </p:sp>
+      <p:sp>
+        <p:nvSpPr>
+          <p:cNvPr id="142" name="TextBox 141">
+            <a:extLst>
+              <a:ext uri="{FF2B5EF4-FFF2-40B4-BE49-F238E27FC236}">
+                <a16:creationId xmlns:a16="http://schemas.microsoft.com/office/drawing/2014/main" id="{5F3BE5C5-2C6B-1A45-B72D-C71A81A1C7F6}"/>
+              </a:ext>
+            </a:extLst>
+          </p:cNvPr>
+          <p:cNvSpPr txBox="1"/>
+          <p:nvPr/>
+        </p:nvSpPr>
+        <p:spPr>
+          <a:xfrm>
+            <a:off x="8506894" y="1907775"/>
+            <a:ext cx="1057854" cy="523220"/>
+          </a:xfrm>
+          <a:prstGeom prst="rect">
+            <a:avLst/>
+          </a:prstGeom>
+          <a:noFill/>
+        </p:spPr>
+        <p:txBody>
+          <a:bodyPr wrap="none" rtlCol="0">
+            <a:spAutoFit/>
+          </a:bodyPr>
+          <a:lstStyle/>
+          <a:p>
+            <a:r>
+              <a:rPr lang="de-CH" sz="1400" dirty="0">
+                <a:solidFill>
+                  <a:srgbClr val="17304F"/>
+                </a:solidFill>
+              </a:rPr>
+              <a:t>Multi-</a:t>
+            </a:r>
+            <a:r>
+              <a:rPr lang="de-CH" sz="1400" dirty="0" err="1">
+                <a:solidFill>
+                  <a:srgbClr val="17304F"/>
+                </a:solidFill>
+              </a:rPr>
+              <a:t>Room</a:t>
+            </a:r>
+            <a:br>
+              <a:rPr lang="de-CH" sz="1400" dirty="0">
+                <a:solidFill>
+                  <a:srgbClr val="17304F"/>
+                </a:solidFill>
+              </a:rPr>
+            </a:br>
+            <a:r>
+              <a:rPr lang="de-CH" sz="1400" dirty="0">
+                <a:solidFill>
+                  <a:srgbClr val="17304F"/>
+                </a:solidFill>
+              </a:rPr>
+              <a:t>Audio</a:t>
+            </a:r>
+            <a:endParaRPr lang="en-CH" dirty="0">
+              <a:solidFill>
+                <a:srgbClr val="17304F"/>
+              </a:solidFill>
+            </a:endParaRPr>
+          </a:p>
+        </p:txBody>
+      </p:sp>
+      <p:sp>
+        <p:nvSpPr>
+          <p:cNvPr id="143" name="TextBox 142">
+            <a:extLst>
+              <a:ext uri="{FF2B5EF4-FFF2-40B4-BE49-F238E27FC236}">
+                <a16:creationId xmlns:a16="http://schemas.microsoft.com/office/drawing/2014/main" id="{938F83A6-65AE-6841-91EE-C8BC7252D464}"/>
+              </a:ext>
+            </a:extLst>
+          </p:cNvPr>
+          <p:cNvSpPr txBox="1"/>
+          <p:nvPr/>
+        </p:nvSpPr>
+        <p:spPr>
+          <a:xfrm>
+            <a:off x="8043852" y="1073938"/>
+            <a:ext cx="1032655" cy="307777"/>
+          </a:xfrm>
+          <a:prstGeom prst="rect">
+            <a:avLst/>
+          </a:prstGeom>
+          <a:noFill/>
+        </p:spPr>
+        <p:txBody>
+          <a:bodyPr wrap="none" rtlCol="0">
+            <a:spAutoFit/>
+          </a:bodyPr>
+          <a:lstStyle/>
+          <a:p>
+            <a:r>
+              <a:rPr lang="de-CH" sz="1400" dirty="0">
+                <a:solidFill>
+                  <a:srgbClr val="17304F"/>
+                </a:solidFill>
+              </a:rPr>
+              <a:t>Multimedia</a:t>
+            </a:r>
+            <a:endParaRPr lang="en-CH" dirty="0">
+              <a:solidFill>
+                <a:srgbClr val="17304F"/>
+              </a:solidFill>
+            </a:endParaRPr>
+          </a:p>
+        </p:txBody>
+      </p:sp>
+      <p:sp>
+        <p:nvSpPr>
+          <p:cNvPr id="144" name="TextBox 143">
+            <a:extLst>
+              <a:ext uri="{FF2B5EF4-FFF2-40B4-BE49-F238E27FC236}">
+                <a16:creationId xmlns:a16="http://schemas.microsoft.com/office/drawing/2014/main" id="{BBA8F414-017F-BE4B-AC55-7ACB045C23E7}"/>
+              </a:ext>
+            </a:extLst>
+          </p:cNvPr>
+          <p:cNvSpPr txBox="1"/>
+          <p:nvPr/>
+        </p:nvSpPr>
+        <p:spPr>
+          <a:xfrm>
+            <a:off x="6988861" y="292043"/>
+            <a:ext cx="1430776" cy="307777"/>
+          </a:xfrm>
+          <a:prstGeom prst="rect">
+            <a:avLst/>
+          </a:prstGeom>
+          <a:noFill/>
+        </p:spPr>
+        <p:txBody>
+          <a:bodyPr wrap="none" rtlCol="0">
+            <a:spAutoFit/>
+          </a:bodyPr>
+          <a:lstStyle/>
+          <a:p>
+            <a:r>
+              <a:rPr lang="de-CH" sz="1400" dirty="0">
+                <a:solidFill>
+                  <a:srgbClr val="17304F"/>
+                </a:solidFill>
+              </a:rPr>
+              <a:t>Garden </a:t>
+            </a:r>
+            <a:r>
+              <a:rPr lang="de-CH" sz="1400" dirty="0" err="1">
+                <a:solidFill>
+                  <a:srgbClr val="17304F"/>
+                </a:solidFill>
+              </a:rPr>
+              <a:t>irrigation</a:t>
+            </a:r>
+            <a:endParaRPr lang="en-CH" dirty="0">
+              <a:solidFill>
+                <a:srgbClr val="17304F"/>
+              </a:solidFill>
+            </a:endParaRPr>
+          </a:p>
+        </p:txBody>
+      </p:sp>
+      <p:sp>
+        <p:nvSpPr>
+          <p:cNvPr id="145" name="TextBox 144">
+            <a:extLst>
+              <a:ext uri="{FF2B5EF4-FFF2-40B4-BE49-F238E27FC236}">
+                <a16:creationId xmlns:a16="http://schemas.microsoft.com/office/drawing/2014/main" id="{559258EF-28C8-3643-8A9A-1DA8DB1D954F}"/>
+              </a:ext>
+            </a:extLst>
+          </p:cNvPr>
+          <p:cNvSpPr txBox="1"/>
+          <p:nvPr/>
+        </p:nvSpPr>
+        <p:spPr>
+          <a:xfrm>
+            <a:off x="4997186" y="987818"/>
+            <a:ext cx="611001" cy="307777"/>
+          </a:xfrm>
+          <a:prstGeom prst="rect">
+            <a:avLst/>
+          </a:prstGeom>
+          <a:noFill/>
+        </p:spPr>
+        <p:txBody>
+          <a:bodyPr wrap="none" rtlCol="0">
+            <a:spAutoFit/>
+          </a:bodyPr>
+          <a:lstStyle/>
+          <a:p>
+            <a:r>
+              <a:rPr lang="de-CH" sz="1400" dirty="0" err="1">
+                <a:solidFill>
+                  <a:srgbClr val="17304F"/>
+                </a:solidFill>
+              </a:rPr>
+              <a:t>Lights</a:t>
+            </a:r>
+            <a:endParaRPr lang="en-CH" dirty="0">
+              <a:solidFill>
+                <a:srgbClr val="17304F"/>
+              </a:solidFill>
+            </a:endParaRPr>
+          </a:p>
+        </p:txBody>
+      </p:sp>
+      <p:sp>
+        <p:nvSpPr>
+          <p:cNvPr id="1041" name="Freeform 1040">
+            <a:extLst>
+              <a:ext uri="{FF2B5EF4-FFF2-40B4-BE49-F238E27FC236}">
+                <a16:creationId xmlns:a16="http://schemas.microsoft.com/office/drawing/2014/main" id="{74F3F6EA-F112-1A48-AC74-8C5760FFC0A9}"/>
+              </a:ext>
+            </a:extLst>
+          </p:cNvPr>
+          <p:cNvSpPr/>
+          <p:nvPr/>
+        </p:nvSpPr>
+        <p:spPr>
+          <a:xfrm>
+            <a:off x="4706504" y="2354977"/>
+            <a:ext cx="1424839" cy="1294317"/>
+          </a:xfrm>
+          <a:custGeom>
+            <a:avLst/>
+            <a:gdLst>
+              <a:gd name="connsiteX0" fmla="*/ 0 w 1683327"/>
+              <a:gd name="connsiteY0" fmla="*/ 1569027 h 1569027"/>
+              <a:gd name="connsiteX1" fmla="*/ 644236 w 1683327"/>
+              <a:gd name="connsiteY1" fmla="*/ 810490 h 1569027"/>
+              <a:gd name="connsiteX2" fmla="*/ 1683327 w 1683327"/>
+              <a:gd name="connsiteY2" fmla="*/ 0 h 1569027"/>
+            </a:gdLst>
+            <a:ahLst/>
+            <a:cxnLst>
+              <a:cxn ang="0">
+                <a:pos x="connsiteX0" y="connsiteY0"/>
+              </a:cxn>
+              <a:cxn ang="0">
+                <a:pos x="connsiteX1" y="connsiteY1"/>
+              </a:cxn>
+              <a:cxn ang="0">
+                <a:pos x="connsiteX2" y="connsiteY2"/>
+              </a:cxn>
+            </a:cxnLst>
+            <a:rect l="l" t="t" r="r" b="b"/>
+            <a:pathLst>
+              <a:path w="1683327" h="1569027">
+                <a:moveTo>
+                  <a:pt x="0" y="1569027"/>
+                </a:moveTo>
+                <a:cubicBezTo>
+                  <a:pt x="181841" y="1320510"/>
+                  <a:pt x="363682" y="1071994"/>
+                  <a:pt x="644236" y="810490"/>
+                </a:cubicBezTo>
+                <a:cubicBezTo>
+                  <a:pt x="924790" y="548986"/>
+                  <a:pt x="1304058" y="274493"/>
+                  <a:pt x="1683327" y="0"/>
+                </a:cubicBezTo>
+              </a:path>
+            </a:pathLst>
+          </a:custGeom>
+          <a:ln>
+            <a:solidFill>
+              <a:srgbClr val="6798BF"/>
+            </a:solidFill>
+            <a:tailEnd type="triangle"/>
+          </a:ln>
+        </p:spPr>
+        <p:style>
+          <a:lnRef idx="1">
+            <a:schemeClr val="accent1"/>
+          </a:lnRef>
+          <a:fillRef idx="0">
+            <a:schemeClr val="accent1"/>
+          </a:fillRef>
+          <a:effectRef idx="0">
+            <a:schemeClr val="accent1"/>
+          </a:effectRef>
+          <a:fontRef idx="minor">
+            <a:schemeClr val="tx1"/>
+          </a:fontRef>
+        </p:style>
+        <p:txBody>
+          <a:bodyPr rtlCol="0" anchor="ctr"/>
+          <a:lstStyle/>
+          <a:p>
+            <a:pPr algn="ctr"/>
+            <a:endParaRPr lang="en-CH"/>
+          </a:p>
+        </p:txBody>
+      </p:sp>
+      <p:pic>
+        <p:nvPicPr>
+          <p:cNvPr id="153" name="Picture 152">
+            <a:extLst>
+              <a:ext uri="{FF2B5EF4-FFF2-40B4-BE49-F238E27FC236}">
+                <a16:creationId xmlns:a16="http://schemas.microsoft.com/office/drawing/2014/main" id="{BB08D9D4-DDBF-E14D-AE50-EDF46455F1A4}"/>
+              </a:ext>
+            </a:extLst>
+          </p:cNvPr>
+          <p:cNvPicPr>
+            <a:picLocks noChangeAspect="1" noChangeArrowheads="1"/>
+          </p:cNvPicPr>
+          <p:nvPr/>
+        </p:nvPicPr>
+        <p:blipFill>
+          <a:blip r:embed="rId3">
+            <a:extLst>
+              <a:ext uri="{28A0092B-C50C-407E-A947-70E740481C1C}">
+                <a14:useLocalDpi xmlns:a14="http://schemas.microsoft.com/office/drawing/2010/main" val="0"/>
+              </a:ext>
+            </a:extLst>
+          </a:blip>
+          <a:srcRect/>
+          <a:stretch>
+            <a:fillRect/>
+          </a:stretch>
+        </p:blipFill>
+        <p:spPr bwMode="auto">
+          <a:xfrm>
+            <a:off x="10233534" y="1609464"/>
+            <a:ext cx="292457" cy="369419"/>
+          </a:xfrm>
+          <a:prstGeom prst="rect">
+            <a:avLst/>
+          </a:prstGeom>
+          <a:noFill/>
+          <a:extLst>
+            <a:ext uri="{909E8E84-426E-40DD-AFC4-6F175D3DCCD1}">
+              <a14:hiddenFill xmlns:a14="http://schemas.microsoft.com/office/drawing/2010/main">
+                <a:solidFill>
+                  <a:srgbClr val="FFFFFF"/>
+                </a:solidFill>
+              </a14:hiddenFill>
+            </a:ext>
+          </a:extLst>
+        </p:spPr>
+      </p:pic>
+      <p:pic>
+        <p:nvPicPr>
+          <p:cNvPr id="154" name="Picture 153">
+            <a:extLst>
+              <a:ext uri="{FF2B5EF4-FFF2-40B4-BE49-F238E27FC236}">
+                <a16:creationId xmlns:a16="http://schemas.microsoft.com/office/drawing/2014/main" id="{0A923440-2833-0049-86DA-BD2336B17CC4}"/>
+              </a:ext>
+            </a:extLst>
+          </p:cNvPr>
+          <p:cNvPicPr>
+            <a:picLocks noChangeAspect="1" noChangeArrowheads="1"/>
+          </p:cNvPicPr>
+          <p:nvPr/>
+        </p:nvPicPr>
+        <p:blipFill>
+          <a:blip r:embed="rId3">
+            <a:extLst>
+              <a:ext uri="{28A0092B-C50C-407E-A947-70E740481C1C}">
+                <a14:useLocalDpi xmlns:a14="http://schemas.microsoft.com/office/drawing/2010/main" val="0"/>
+              </a:ext>
+            </a:extLst>
+          </a:blip>
+          <a:srcRect/>
+          <a:stretch>
+            <a:fillRect/>
+          </a:stretch>
+        </p:blipFill>
+        <p:spPr bwMode="auto">
+          <a:xfrm>
+            <a:off x="10379762" y="2035014"/>
+            <a:ext cx="292457" cy="369419"/>
+          </a:xfrm>
+          <a:prstGeom prst="rect">
+            <a:avLst/>
+          </a:prstGeom>
+          <a:noFill/>
+          <a:extLst>
+            <a:ext uri="{909E8E84-426E-40DD-AFC4-6F175D3DCCD1}">
+              <a14:hiddenFill xmlns:a14="http://schemas.microsoft.com/office/drawing/2010/main">
+                <a:solidFill>
+                  <a:srgbClr val="FFFFFF"/>
+                </a:solidFill>
+              </a14:hiddenFill>
+            </a:ext>
+          </a:extLst>
+        </p:spPr>
+      </p:pic>
+      <p:pic>
+        <p:nvPicPr>
+          <p:cNvPr id="155" name="Picture 154">
+            <a:extLst>
+              <a:ext uri="{FF2B5EF4-FFF2-40B4-BE49-F238E27FC236}">
+                <a16:creationId xmlns:a16="http://schemas.microsoft.com/office/drawing/2014/main" id="{23F74356-ECA0-5C4E-AF1B-9F6485244DA7}"/>
+              </a:ext>
+            </a:extLst>
+          </p:cNvPr>
+          <p:cNvPicPr>
+            <a:picLocks noChangeAspect="1" noChangeArrowheads="1"/>
+          </p:cNvPicPr>
+          <p:nvPr/>
+        </p:nvPicPr>
+        <p:blipFill>
+          <a:blip r:embed="rId3">
+            <a:extLst>
+              <a:ext uri="{28A0092B-C50C-407E-A947-70E740481C1C}">
+                <a14:useLocalDpi xmlns:a14="http://schemas.microsoft.com/office/drawing/2010/main" val="0"/>
+              </a:ext>
+            </a:extLst>
+          </a:blip>
+          <a:srcRect/>
+          <a:stretch>
+            <a:fillRect/>
+          </a:stretch>
+        </p:blipFill>
+        <p:spPr bwMode="auto">
+          <a:xfrm>
+            <a:off x="10233533" y="2467674"/>
+            <a:ext cx="292457" cy="369419"/>
+          </a:xfrm>
+          <a:prstGeom prst="rect">
+            <a:avLst/>
+          </a:prstGeom>
+          <a:noFill/>
+          <a:extLst>
+            <a:ext uri="{909E8E84-426E-40DD-AFC4-6F175D3DCCD1}">
+              <a14:hiddenFill xmlns:a14="http://schemas.microsoft.com/office/drawing/2010/main">
+                <a:solidFill>
+                  <a:srgbClr val="FFFFFF"/>
+                </a:solidFill>
+              </a14:hiddenFill>
+            </a:ext>
+          </a:extLst>
+        </p:spPr>
+      </p:pic>
+      <p:pic>
+        <p:nvPicPr>
+          <p:cNvPr id="156" name="Picture 155" descr="A picture containing shape&#10;&#10;Description automatically generated">
+            <a:extLst>
+              <a:ext uri="{FF2B5EF4-FFF2-40B4-BE49-F238E27FC236}">
+                <a16:creationId xmlns:a16="http://schemas.microsoft.com/office/drawing/2014/main" id="{B33E2343-42A5-EA4B-82AF-A047FDB3883F}"/>
+              </a:ext>
+            </a:extLst>
+          </p:cNvPr>
+          <p:cNvPicPr>
+            <a:picLocks noChangeAspect="1"/>
+          </p:cNvPicPr>
+          <p:nvPr/>
+        </p:nvPicPr>
+        <p:blipFill>
+          <a:blip r:embed="rId12"/>
+          <a:stretch>
+            <a:fillRect/>
+          </a:stretch>
+        </p:blipFill>
+        <p:spPr>
+          <a:xfrm>
+            <a:off x="10536381" y="1497067"/>
+            <a:ext cx="371364" cy="371364"/>
+          </a:xfrm>
+          <a:prstGeom prst="rect">
+            <a:avLst/>
+          </a:prstGeom>
+        </p:spPr>
+      </p:pic>
+      <p:pic>
+        <p:nvPicPr>
+          <p:cNvPr id="157" name="Picture 156" descr="A picture containing shape&#10;&#10;Description automatically generated">
+            <a:extLst>
+              <a:ext uri="{FF2B5EF4-FFF2-40B4-BE49-F238E27FC236}">
+                <a16:creationId xmlns:a16="http://schemas.microsoft.com/office/drawing/2014/main" id="{34022238-9412-6440-B61A-CAA3573F085A}"/>
+              </a:ext>
+            </a:extLst>
+          </p:cNvPr>
+          <p:cNvPicPr>
+            <a:picLocks noChangeAspect="1"/>
+          </p:cNvPicPr>
+          <p:nvPr/>
+        </p:nvPicPr>
+        <p:blipFill>
+          <a:blip r:embed="rId12"/>
+          <a:stretch>
+            <a:fillRect/>
+          </a:stretch>
+        </p:blipFill>
+        <p:spPr>
+          <a:xfrm>
+            <a:off x="10684601" y="1920178"/>
+            <a:ext cx="371364" cy="371364"/>
+          </a:xfrm>
+          <a:prstGeom prst="rect">
+            <a:avLst/>
+          </a:prstGeom>
+        </p:spPr>
+      </p:pic>
+      <p:pic>
+        <p:nvPicPr>
+          <p:cNvPr id="158" name="Picture 157" descr="A picture containing shape&#10;&#10;Description automatically generated">
+            <a:extLst>
+              <a:ext uri="{FF2B5EF4-FFF2-40B4-BE49-F238E27FC236}">
+                <a16:creationId xmlns:a16="http://schemas.microsoft.com/office/drawing/2014/main" id="{FD5F59E5-8DE9-0543-B989-08F39974CF40}"/>
+              </a:ext>
+            </a:extLst>
+          </p:cNvPr>
+          <p:cNvPicPr>
+            <a:picLocks noChangeAspect="1"/>
+          </p:cNvPicPr>
+          <p:nvPr/>
+        </p:nvPicPr>
+        <p:blipFill>
+          <a:blip r:embed="rId12"/>
+          <a:stretch>
+            <a:fillRect/>
+          </a:stretch>
+        </p:blipFill>
+        <p:spPr>
+          <a:xfrm>
+            <a:off x="10525990" y="2354977"/>
+            <a:ext cx="371364" cy="371364"/>
+          </a:xfrm>
+          <a:prstGeom prst="rect">
+            <a:avLst/>
+          </a:prstGeom>
+        </p:spPr>
+      </p:pic>
+      <p:cxnSp>
+        <p:nvCxnSpPr>
+          <p:cNvPr id="1044" name="Straight Arrow Connector 1043">
+            <a:extLst>
+              <a:ext uri="{FF2B5EF4-FFF2-40B4-BE49-F238E27FC236}">
+                <a16:creationId xmlns:a16="http://schemas.microsoft.com/office/drawing/2014/main" id="{198C15F5-F862-2543-A888-5BF7B253EA3B}"/>
+              </a:ext>
+            </a:extLst>
+          </p:cNvPr>
+          <p:cNvCxnSpPr>
+            <a:cxnSpLocks/>
+            <a:stCxn id="142" idx="3"/>
+          </p:cNvCxnSpPr>
+          <p:nvPr/>
+        </p:nvCxnSpPr>
+        <p:spPr>
+          <a:xfrm flipV="1">
+            <a:off x="9564748" y="1903761"/>
+            <a:ext cx="589879" cy="265624"/>
+          </a:xfrm>
+          <a:prstGeom prst="straightConnector1">
+            <a:avLst/>
+          </a:prstGeom>
+          <a:ln>
+            <a:solidFill>
+              <a:srgbClr val="6798BF"/>
+            </a:solidFill>
+            <a:tailEnd type="triangle"/>
+          </a:ln>
+        </p:spPr>
+        <p:style>
+          <a:lnRef idx="1">
+            <a:schemeClr val="accent1"/>
+          </a:lnRef>
+          <a:fillRef idx="0">
+            <a:schemeClr val="accent1"/>
+          </a:fillRef>
+          <a:effectRef idx="0">
+            <a:schemeClr val="accent1"/>
+          </a:effectRef>
+          <a:fontRef idx="minor">
+            <a:schemeClr val="tx1"/>
+          </a:fontRef>
+        </p:style>
+      </p:cxnSp>
+      <p:cxnSp>
+        <p:nvCxnSpPr>
+          <p:cNvPr id="161" name="Straight Arrow Connector 160">
+            <a:extLst>
+              <a:ext uri="{FF2B5EF4-FFF2-40B4-BE49-F238E27FC236}">
+                <a16:creationId xmlns:a16="http://schemas.microsoft.com/office/drawing/2014/main" id="{323CD08E-139B-A04D-9371-CE7639D61830}"/>
+              </a:ext>
+            </a:extLst>
+          </p:cNvPr>
+          <p:cNvCxnSpPr>
+            <a:cxnSpLocks/>
+            <a:stCxn id="142" idx="3"/>
+          </p:cNvCxnSpPr>
+          <p:nvPr/>
+        </p:nvCxnSpPr>
+        <p:spPr>
+          <a:xfrm>
+            <a:off x="9564748" y="2169385"/>
+            <a:ext cx="668785" cy="20102"/>
+          </a:xfrm>
+          <a:prstGeom prst="straightConnector1">
+            <a:avLst/>
+          </a:prstGeom>
+          <a:ln>
+            <a:solidFill>
+              <a:srgbClr val="6798BF"/>
+            </a:solidFill>
+            <a:tailEnd type="triangle"/>
+          </a:ln>
+        </p:spPr>
+        <p:style>
+          <a:lnRef idx="1">
+            <a:schemeClr val="accent1"/>
+          </a:lnRef>
+          <a:fillRef idx="0">
+            <a:schemeClr val="accent1"/>
+          </a:fillRef>
+          <a:effectRef idx="0">
+            <a:schemeClr val="accent1"/>
+          </a:effectRef>
+          <a:fontRef idx="minor">
+            <a:schemeClr val="tx1"/>
+          </a:fontRef>
+        </p:style>
+      </p:cxnSp>
+      <p:cxnSp>
+        <p:nvCxnSpPr>
+          <p:cNvPr id="164" name="Straight Arrow Connector 163">
+            <a:extLst>
+              <a:ext uri="{FF2B5EF4-FFF2-40B4-BE49-F238E27FC236}">
+                <a16:creationId xmlns:a16="http://schemas.microsoft.com/office/drawing/2014/main" id="{E0D296A5-B1D3-5644-89F4-5F937CAA914A}"/>
+              </a:ext>
+            </a:extLst>
+          </p:cNvPr>
+          <p:cNvCxnSpPr>
+            <a:cxnSpLocks/>
+            <a:stCxn id="142" idx="3"/>
+          </p:cNvCxnSpPr>
+          <p:nvPr/>
+        </p:nvCxnSpPr>
+        <p:spPr>
+          <a:xfrm>
+            <a:off x="9564748" y="2169385"/>
+            <a:ext cx="564621" cy="358282"/>
+          </a:xfrm>
+          <a:prstGeom prst="straightConnector1">
+            <a:avLst/>
+          </a:prstGeom>
+          <a:ln>
+            <a:solidFill>
+              <a:srgbClr val="6798BF"/>
+            </a:solidFill>
+            <a:tailEnd type="triangle"/>
+          </a:ln>
+        </p:spPr>
+        <p:style>
+          <a:lnRef idx="1">
+            <a:schemeClr val="accent1"/>
+          </a:lnRef>
+          <a:fillRef idx="0">
+            <a:schemeClr val="accent1"/>
+          </a:fillRef>
+          <a:effectRef idx="0">
+            <a:schemeClr val="accent1"/>
+          </a:effectRef>
+          <a:fontRef idx="minor">
+            <a:schemeClr val="tx1"/>
+          </a:fontRef>
+        </p:style>
+      </p:cxnSp>
+    </p:spTree>
+    <p:extLst>
+      <p:ext uri="{BB962C8B-B14F-4D97-AF65-F5344CB8AC3E}">
+        <p14:creationId xmlns:p14="http://schemas.microsoft.com/office/powerpoint/2010/main" val="2318926049"/>
+      </p:ext>
+    </p:extLst>
+  </p:cSld>
+  <p:clrMapOvr>
+    <a:masterClrMapping/>
+  </p:clrMapOvr>
+</p:sld>
+</file>
+
 <file path=ppt/theme/theme1.xml><?xml version="1.0" encoding="utf-8"?>
 <a:theme xmlns:a="http://schemas.openxmlformats.org/drawingml/2006/main" name="Office Theme">
   <a:themeElements>
